--- a/class/Kissy Component Coding/基于Kissy的模块化编程.pptx
+++ b/class/Kissy Component Coding/基于Kissy的模块化编程.pptx
@@ -134,7 +134,7 @@
   </p:defaultTextStyle>
   <p:extLst>
     <p:ext uri="{EFAFB233-063F-42B5-8137-9DF3F51BA10A}">
-      <p15:sldGuideLst xmlns="" xmlns:p15="http://schemas.microsoft.com/office/powerpoint/2012/main">
+      <p15:sldGuideLst xmlns:p15="http://schemas.microsoft.com/office/powerpoint/2012/main" xmlns="">
         <p15:guide id="1" orient="horz" pos="2160">
           <p15:clr>
             <a:srgbClr val="A4A3A4"/>
@@ -6914,7 +6914,7 @@
     </p:spTree>
     <p:extLst>
       <p:ext uri="{BB962C8B-B14F-4D97-AF65-F5344CB8AC3E}">
-        <p14:creationId xmlns="" xmlns:p14="http://schemas.microsoft.com/office/powerpoint/2010/main" val="4167728408"/>
+        <p14:creationId xmlns:p14="http://schemas.microsoft.com/office/powerpoint/2010/main" xmlns="" val="4167728408"/>
       </p:ext>
     </p:extLst>
   </p:cSld>
@@ -7490,7 +7490,7 @@
     </p:spTree>
     <p:extLst>
       <p:ext uri="{BB962C8B-B14F-4D97-AF65-F5344CB8AC3E}">
-        <p14:creationId xmlns="" xmlns:p14="http://schemas.microsoft.com/office/powerpoint/2010/main" val="379890986"/>
+        <p14:creationId xmlns:p14="http://schemas.microsoft.com/office/powerpoint/2010/main" xmlns="" val="379890986"/>
       </p:ext>
     </p:extLst>
   </p:cSld>
@@ -7799,7 +7799,7 @@
           <a:blip r:embed="rId2" cstate="print">
             <a:extLst>
               <a:ext uri="{28A0092B-C50C-407E-A947-70E740481C1C}">
-                <a14:useLocalDpi xmlns="" xmlns:a14="http://schemas.microsoft.com/office/drawing/2010/main" val="0"/>
+                <a14:useLocalDpi xmlns:a14="http://schemas.microsoft.com/office/drawing/2010/main" xmlns="" val="0"/>
               </a:ext>
             </a:extLst>
           </a:blip>
@@ -7817,7 +7817,7 @@
     </p:spTree>
     <p:extLst>
       <p:ext uri="{BB962C8B-B14F-4D97-AF65-F5344CB8AC3E}">
-        <p14:creationId xmlns="" xmlns:p14="http://schemas.microsoft.com/office/powerpoint/2010/main" val="792331478"/>
+        <p14:creationId xmlns:p14="http://schemas.microsoft.com/office/powerpoint/2010/main" xmlns="" val="792331478"/>
       </p:ext>
     </p:extLst>
   </p:cSld>
@@ -8001,7 +8001,7 @@
           <a:blip r:embed="rId2" cstate="print">
             <a:extLst>
               <a:ext uri="{28A0092B-C50C-407E-A947-70E740481C1C}">
-                <a14:useLocalDpi xmlns="" xmlns:a14="http://schemas.microsoft.com/office/drawing/2010/main" val="0"/>
+                <a14:useLocalDpi xmlns:a14="http://schemas.microsoft.com/office/drawing/2010/main" xmlns="" val="0"/>
               </a:ext>
             </a:extLst>
           </a:blip>
@@ -8019,7 +8019,7 @@
     </p:spTree>
     <p:extLst>
       <p:ext uri="{BB962C8B-B14F-4D97-AF65-F5344CB8AC3E}">
-        <p14:creationId xmlns="" xmlns:p14="http://schemas.microsoft.com/office/powerpoint/2010/main" val="4081580982"/>
+        <p14:creationId xmlns:p14="http://schemas.microsoft.com/office/powerpoint/2010/main" xmlns="" val="4081580982"/>
       </p:ext>
     </p:extLst>
   </p:cSld>
@@ -8304,7 +8304,7 @@
     </p:spTree>
     <p:extLst>
       <p:ext uri="{BB962C8B-B14F-4D97-AF65-F5344CB8AC3E}">
-        <p14:creationId xmlns="" xmlns:p14="http://schemas.microsoft.com/office/powerpoint/2010/main" val="3387526235"/>
+        <p14:creationId xmlns:p14="http://schemas.microsoft.com/office/powerpoint/2010/main" xmlns="" val="3387526235"/>
       </p:ext>
     </p:extLst>
   </p:cSld>
@@ -8636,7 +8636,7 @@
     </p:spTree>
     <p:extLst>
       <p:ext uri="{BB962C8B-B14F-4D97-AF65-F5344CB8AC3E}">
-        <p14:creationId xmlns="" xmlns:p14="http://schemas.microsoft.com/office/powerpoint/2010/main" val="379890986"/>
+        <p14:creationId xmlns:p14="http://schemas.microsoft.com/office/powerpoint/2010/main" xmlns="" val="379890986"/>
       </p:ext>
     </p:extLst>
   </p:cSld>
@@ -9006,7 +9006,7 @@
     </p:spTree>
     <p:extLst>
       <p:ext uri="{BB962C8B-B14F-4D97-AF65-F5344CB8AC3E}">
-        <p14:creationId xmlns="" xmlns:p14="http://schemas.microsoft.com/office/powerpoint/2010/main" val="248935869"/>
+        <p14:creationId xmlns:p14="http://schemas.microsoft.com/office/powerpoint/2010/main" xmlns="" val="248935869"/>
       </p:ext>
     </p:extLst>
   </p:cSld>
@@ -9209,7 +9209,7 @@
     </p:spTree>
     <p:extLst>
       <p:ext uri="{BB962C8B-B14F-4D97-AF65-F5344CB8AC3E}">
-        <p14:creationId xmlns="" xmlns:p14="http://schemas.microsoft.com/office/powerpoint/2010/main" val="271405633"/>
+        <p14:creationId xmlns:p14="http://schemas.microsoft.com/office/powerpoint/2010/main" xmlns="" val="271405633"/>
       </p:ext>
     </p:extLst>
   </p:cSld>
@@ -9362,7 +9362,7 @@
           <a:blip r:embed="rId2" cstate="print">
             <a:extLst>
               <a:ext uri="{28A0092B-C50C-407E-A947-70E740481C1C}">
-                <a14:useLocalDpi xmlns="" xmlns:a14="http://schemas.microsoft.com/office/drawing/2010/main" val="0"/>
+                <a14:useLocalDpi xmlns:a14="http://schemas.microsoft.com/office/drawing/2010/main" xmlns="" val="0"/>
               </a:ext>
             </a:extLst>
           </a:blip>
@@ -9380,7 +9380,7 @@
     </p:spTree>
     <p:extLst>
       <p:ext uri="{BB962C8B-B14F-4D97-AF65-F5344CB8AC3E}">
-        <p14:creationId xmlns="" xmlns:p14="http://schemas.microsoft.com/office/powerpoint/2010/main" val="1553285463"/>
+        <p14:creationId xmlns:p14="http://schemas.microsoft.com/office/powerpoint/2010/main" xmlns="" val="1553285463"/>
       </p:ext>
     </p:extLst>
   </p:cSld>
@@ -9608,7 +9608,7 @@
     </p:spTree>
     <p:extLst>
       <p:ext uri="{BB962C8B-B14F-4D97-AF65-F5344CB8AC3E}">
-        <p14:creationId xmlns="" xmlns:p14="http://schemas.microsoft.com/office/powerpoint/2010/main" val="2272969805"/>
+        <p14:creationId xmlns:p14="http://schemas.microsoft.com/office/powerpoint/2010/main" xmlns="" val="2272969805"/>
       </p:ext>
     </p:extLst>
   </p:cSld>
@@ -9995,7 +9995,7 @@
     </p:spTree>
     <p:extLst>
       <p:ext uri="{BB962C8B-B14F-4D97-AF65-F5344CB8AC3E}">
-        <p14:creationId xmlns="" xmlns:p14="http://schemas.microsoft.com/office/powerpoint/2010/main" val="3719362025"/>
+        <p14:creationId xmlns:p14="http://schemas.microsoft.com/office/powerpoint/2010/main" xmlns="" val="3719362025"/>
       </p:ext>
     </p:extLst>
   </p:cSld>
@@ -10311,7 +10311,7 @@
     </p:spTree>
     <p:extLst>
       <p:ext uri="{BB962C8B-B14F-4D97-AF65-F5344CB8AC3E}">
-        <p14:creationId xmlns="" xmlns:p14="http://schemas.microsoft.com/office/powerpoint/2010/main" val="3537854853"/>
+        <p14:creationId xmlns:p14="http://schemas.microsoft.com/office/powerpoint/2010/main" xmlns="" val="3537854853"/>
       </p:ext>
     </p:extLst>
   </p:cSld>
@@ -10357,19 +10357,27 @@
           <a:p>
             <a:pPr algn="l"/>
             <a:r>
-              <a:rPr lang="zh-CN" altLang="en-US" sz="3600" dirty="0"/>
+              <a:rPr lang="zh-CN" altLang="en-US" sz="3600" dirty="0">
+                <a:hlinkClick r:id="rId2"/>
+              </a:rPr>
               <a:t>表单</a:t>
             </a:r>
             <a:r>
-              <a:rPr lang="en-US" altLang="zh-CN" sz="3600" dirty="0"/>
+              <a:rPr lang="en-US" altLang="zh-CN" sz="3600" dirty="0">
+                <a:hlinkClick r:id="rId2"/>
+              </a:rPr>
               <a:t>label</a:t>
             </a:r>
             <a:r>
-              <a:rPr lang="zh-CN" altLang="en-US" sz="3600" dirty="0"/>
+              <a:rPr lang="zh-CN" altLang="en-US" sz="3600" dirty="0">
+                <a:hlinkClick r:id="rId2"/>
+              </a:rPr>
               <a:t>浮动功能</a:t>
             </a:r>
             <a:r>
-              <a:rPr lang="zh-CN" altLang="en-US" sz="3600" dirty="0" smtClean="0"/>
+              <a:rPr lang="zh-CN" altLang="en-US" sz="3600" dirty="0" smtClean="0">
+                <a:hlinkClick r:id="rId2"/>
+              </a:rPr>
               <a:t>组件</a:t>
             </a:r>
             <a:endParaRPr lang="zh-CN" altLang="en-US" sz="3600" dirty="0"/>
@@ -10532,13 +10540,20 @@
     </p:spTree>
     <p:extLst>
       <p:ext uri="{BB962C8B-B14F-4D97-AF65-F5344CB8AC3E}">
-        <p14:creationId xmlns="" xmlns:p14="http://schemas.microsoft.com/office/powerpoint/2010/main" val="3791668808"/>
+        <p14:creationId xmlns:p14="http://schemas.microsoft.com/office/powerpoint/2010/main" xmlns="" val="3791668808"/>
       </p:ext>
     </p:extLst>
   </p:cSld>
   <p:clrMapOvr>
     <a:masterClrMapping/>
   </p:clrMapOvr>
+  <p:timing>
+    <p:tnLst>
+      <p:par>
+        <p:cTn id="1" dur="indefinite" restart="never" nodeType="tmRoot"/>
+      </p:par>
+    </p:tnLst>
+  </p:timing>
 </p:sld>
 </file>
 
@@ -10578,19 +10593,27 @@
           <a:p>
             <a:pPr algn="l"/>
             <a:r>
-              <a:rPr lang="zh-CN" altLang="en-US" sz="3600" dirty="0"/>
+              <a:rPr lang="zh-CN" altLang="en-US" sz="3600" dirty="0">
+                <a:hlinkClick r:id="rId2"/>
+              </a:rPr>
               <a:t>表单</a:t>
             </a:r>
             <a:r>
-              <a:rPr lang="en-US" altLang="zh-CN" sz="3600" dirty="0"/>
+              <a:rPr lang="en-US" altLang="zh-CN" sz="3600" dirty="0">
+                <a:hlinkClick r:id="rId2"/>
+              </a:rPr>
               <a:t>label</a:t>
             </a:r>
             <a:r>
-              <a:rPr lang="zh-CN" altLang="en-US" sz="3600" dirty="0"/>
+              <a:rPr lang="zh-CN" altLang="en-US" sz="3600" dirty="0">
+                <a:hlinkClick r:id="rId2"/>
+              </a:rPr>
               <a:t>浮动功能</a:t>
             </a:r>
             <a:r>
-              <a:rPr lang="zh-CN" altLang="en-US" sz="3600" dirty="0" smtClean="0"/>
+              <a:rPr lang="zh-CN" altLang="en-US" sz="3600" dirty="0" smtClean="0">
+                <a:hlinkClick r:id="rId2"/>
+              </a:rPr>
               <a:t>组件</a:t>
             </a:r>
             <a:endParaRPr lang="zh-CN" altLang="en-US" sz="3600" dirty="0"/>
@@ -10913,13 +10936,20 @@
     </p:spTree>
     <p:extLst>
       <p:ext uri="{BB962C8B-B14F-4D97-AF65-F5344CB8AC3E}">
-        <p14:creationId xmlns="" xmlns:p14="http://schemas.microsoft.com/office/powerpoint/2010/main" val="216159993"/>
+        <p14:creationId xmlns:p14="http://schemas.microsoft.com/office/powerpoint/2010/main" xmlns="" val="216159993"/>
       </p:ext>
     </p:extLst>
   </p:cSld>
   <p:clrMapOvr>
     <a:masterClrMapping/>
   </p:clrMapOvr>
+  <p:timing>
+    <p:tnLst>
+      <p:par>
+        <p:cTn id="1" dur="indefinite" restart="never" nodeType="tmRoot"/>
+      </p:par>
+    </p:tnLst>
+  </p:timing>
 </p:sld>
 </file>
 
@@ -10959,11 +10989,15 @@
           <a:p>
             <a:pPr algn="l"/>
             <a:r>
-              <a:rPr lang="zh-CN" altLang="en-US" sz="3600" dirty="0"/>
+              <a:rPr lang="zh-CN" altLang="en-US" sz="3600" dirty="0">
+                <a:hlinkClick r:id="rId2"/>
+              </a:rPr>
               <a:t>日历</a:t>
             </a:r>
             <a:r>
-              <a:rPr lang="zh-CN" altLang="en-US" sz="3600" dirty="0" smtClean="0"/>
+              <a:rPr lang="zh-CN" altLang="en-US" sz="3600" dirty="0" smtClean="0">
+                <a:hlinkClick r:id="rId2"/>
+              </a:rPr>
               <a:t>组件</a:t>
             </a:r>
             <a:endParaRPr lang="zh-CN" altLang="en-US" sz="3600" dirty="0"/>
@@ -11322,13 +11356,20 @@
     </p:spTree>
     <p:extLst>
       <p:ext uri="{BB962C8B-B14F-4D97-AF65-F5344CB8AC3E}">
-        <p14:creationId xmlns="" xmlns:p14="http://schemas.microsoft.com/office/powerpoint/2010/main" val="3579502457"/>
+        <p14:creationId xmlns:p14="http://schemas.microsoft.com/office/powerpoint/2010/main" xmlns="" val="3579502457"/>
       </p:ext>
     </p:extLst>
   </p:cSld>
   <p:clrMapOvr>
     <a:masterClrMapping/>
   </p:clrMapOvr>
+  <p:timing>
+    <p:tnLst>
+      <p:par>
+        <p:cTn id="1" dur="indefinite" restart="never" nodeType="tmRoot"/>
+      </p:par>
+    </p:tnLst>
+  </p:timing>
 </p:sld>
 </file>
 
@@ -11467,7 +11508,7 @@
           <a:blip r:embed="rId2" cstate="print">
             <a:extLst>
               <a:ext uri="{28A0092B-C50C-407E-A947-70E740481C1C}">
-                <a14:useLocalDpi xmlns="" xmlns:a14="http://schemas.microsoft.com/office/drawing/2010/main" val="0"/>
+                <a14:useLocalDpi xmlns:a14="http://schemas.microsoft.com/office/drawing/2010/main" xmlns="" val="0"/>
               </a:ext>
             </a:extLst>
           </a:blip>
@@ -11485,13 +11526,20 @@
     </p:spTree>
     <p:extLst>
       <p:ext uri="{BB962C8B-B14F-4D97-AF65-F5344CB8AC3E}">
-        <p14:creationId xmlns="" xmlns:p14="http://schemas.microsoft.com/office/powerpoint/2010/main" val="191745735"/>
+        <p14:creationId xmlns:p14="http://schemas.microsoft.com/office/powerpoint/2010/main" xmlns="" val="191745735"/>
       </p:ext>
     </p:extLst>
   </p:cSld>
   <p:clrMapOvr>
     <a:masterClrMapping/>
   </p:clrMapOvr>
+  <p:timing>
+    <p:tnLst>
+      <p:par>
+        <p:cTn id="1" dur="indefinite" restart="never" nodeType="tmRoot"/>
+      </p:par>
+    </p:tnLst>
+  </p:timing>
 </p:sld>
 </file>
 
@@ -11881,13 +11929,20 @@
     </p:spTree>
     <p:extLst>
       <p:ext uri="{BB962C8B-B14F-4D97-AF65-F5344CB8AC3E}">
-        <p14:creationId xmlns="" xmlns:p14="http://schemas.microsoft.com/office/powerpoint/2010/main" val="1095963931"/>
+        <p14:creationId xmlns:p14="http://schemas.microsoft.com/office/powerpoint/2010/main" xmlns="" val="1095963931"/>
       </p:ext>
     </p:extLst>
   </p:cSld>
   <p:clrMapOvr>
     <a:masterClrMapping/>
   </p:clrMapOvr>
+  <p:timing>
+    <p:tnLst>
+      <p:par>
+        <p:cTn id="1" dur="indefinite" restart="never" nodeType="tmRoot"/>
+      </p:par>
+    </p:tnLst>
+  </p:timing>
 </p:sld>
 </file>
 
@@ -11927,7 +11982,9 @@
           <a:p>
             <a:pPr algn="l"/>
             <a:r>
-              <a:rPr lang="zh-CN" altLang="en-US" sz="3600" dirty="0" smtClean="0"/>
+              <a:rPr lang="zh-CN" altLang="en-US" sz="3600" dirty="0" smtClean="0">
+                <a:hlinkClick r:id="rId2"/>
+              </a:rPr>
               <a:t>标签云</a:t>
             </a:r>
             <a:endParaRPr lang="zh-CN" altLang="en-US" sz="3600" dirty="0"/>
@@ -12068,22 +12125,39 @@
           </a:p>
           <a:p>
             <a:r>
-              <a:rPr lang="zh-CN" altLang="en-US" dirty="0"/>
+              <a:rPr lang="zh-CN" altLang="en-US" dirty="0" smtClean="0"/>
               <a:t>编码</a:t>
             </a:r>
+            <a:endParaRPr lang="en-US" altLang="zh-CN" dirty="0" smtClean="0"/>
+          </a:p>
+          <a:p>
+            <a:r>
+              <a:rPr lang="en-US" altLang="zh-CN" dirty="0" smtClean="0">
+                <a:hlinkClick r:id="rId3" action="ppaction://hlinkfile"/>
+              </a:rPr>
+              <a:t>Demo</a:t>
+            </a:r>
+            <a:endParaRPr lang="zh-CN" altLang="en-US" dirty="0"/>
           </a:p>
         </p:txBody>
       </p:sp>
     </p:spTree>
     <p:extLst>
       <p:ext uri="{BB962C8B-B14F-4D97-AF65-F5344CB8AC3E}">
-        <p14:creationId xmlns="" xmlns:p14="http://schemas.microsoft.com/office/powerpoint/2010/main" val="419811842"/>
+        <p14:creationId xmlns:p14="http://schemas.microsoft.com/office/powerpoint/2010/main" xmlns="" val="419811842"/>
       </p:ext>
     </p:extLst>
   </p:cSld>
   <p:clrMapOvr>
     <a:masterClrMapping/>
   </p:clrMapOvr>
+  <p:timing>
+    <p:tnLst>
+      <p:par>
+        <p:cTn id="1" dur="indefinite" restart="never" nodeType="tmRoot"/>
+      </p:par>
+    </p:tnLst>
+  </p:timing>
 </p:sld>
 </file>
 
@@ -12295,13 +12369,20 @@
     </p:spTree>
     <p:extLst>
       <p:ext uri="{BB962C8B-B14F-4D97-AF65-F5344CB8AC3E}">
-        <p14:creationId xmlns="" xmlns:p14="http://schemas.microsoft.com/office/powerpoint/2010/main" val="1082613679"/>
+        <p14:creationId xmlns:p14="http://schemas.microsoft.com/office/powerpoint/2010/main" xmlns="" val="1082613679"/>
       </p:ext>
     </p:extLst>
   </p:cSld>
   <p:clrMapOvr>
     <a:masterClrMapping/>
   </p:clrMapOvr>
+  <p:timing>
+    <p:tnLst>
+      <p:par>
+        <p:cTn id="1" dur="indefinite" restart="never" nodeType="tmRoot"/>
+      </p:par>
+    </p:tnLst>
+  </p:timing>
 </p:sld>
 </file>
 
@@ -12373,6 +12454,13 @@
   <p:clrMapOvr>
     <a:masterClrMapping/>
   </p:clrMapOvr>
+  <p:timing>
+    <p:tnLst>
+      <p:par>
+        <p:cTn id="1" dur="indefinite" restart="never" nodeType="tmRoot"/>
+      </p:par>
+    </p:tnLst>
+  </p:timing>
 </p:sld>
 </file>
 
@@ -12924,7 +13012,7 @@
     </p:spTree>
     <p:extLst>
       <p:ext uri="{BB962C8B-B14F-4D97-AF65-F5344CB8AC3E}">
-        <p14:creationId xmlns="" xmlns:p14="http://schemas.microsoft.com/office/powerpoint/2010/main" val="1363008113"/>
+        <p14:creationId xmlns:p14="http://schemas.microsoft.com/office/powerpoint/2010/main" xmlns="" val="1363008113"/>
       </p:ext>
     </p:extLst>
   </p:cSld>
@@ -13191,7 +13279,7 @@
     </p:spTree>
     <p:extLst>
       <p:ext uri="{BB962C8B-B14F-4D97-AF65-F5344CB8AC3E}">
-        <p14:creationId xmlns="" xmlns:p14="http://schemas.microsoft.com/office/powerpoint/2010/main" val="1363008113"/>
+        <p14:creationId xmlns:p14="http://schemas.microsoft.com/office/powerpoint/2010/main" xmlns="" val="1363008113"/>
       </p:ext>
     </p:extLst>
   </p:cSld>
@@ -13384,7 +13472,7 @@
     </p:spTree>
     <p:extLst>
       <p:ext uri="{BB962C8B-B14F-4D97-AF65-F5344CB8AC3E}">
-        <p14:creationId xmlns="" xmlns:p14="http://schemas.microsoft.com/office/powerpoint/2010/main" val="1099468481"/>
+        <p14:creationId xmlns:p14="http://schemas.microsoft.com/office/powerpoint/2010/main" xmlns="" val="1099468481"/>
       </p:ext>
     </p:extLst>
   </p:cSld>
@@ -13525,7 +13613,7 @@
             <p:ph idx="1"/>
             <p:extLst>
               <p:ext uri="{D42A27DB-BD31-4B8C-83A1-F6EECF244321}">
-                <p14:modId xmlns="" xmlns:p14="http://schemas.microsoft.com/office/powerpoint/2010/main" val="3919395527"/>
+                <p14:modId xmlns:p14="http://schemas.microsoft.com/office/powerpoint/2010/main" xmlns="" val="3919395527"/>
               </p:ext>
             </p:extLst>
           </p:nvPr>
@@ -13543,7 +13631,7 @@
     </p:spTree>
     <p:extLst>
       <p:ext uri="{BB962C8B-B14F-4D97-AF65-F5344CB8AC3E}">
-        <p14:creationId xmlns="" xmlns:p14="http://schemas.microsoft.com/office/powerpoint/2010/main" val="791958217"/>
+        <p14:creationId xmlns:p14="http://schemas.microsoft.com/office/powerpoint/2010/main" xmlns="" val="791958217"/>
       </p:ext>
     </p:extLst>
   </p:cSld>
@@ -13912,7 +14000,7 @@
     </p:spTree>
     <p:extLst>
       <p:ext uri="{BB962C8B-B14F-4D97-AF65-F5344CB8AC3E}">
-        <p14:creationId xmlns="" xmlns:p14="http://schemas.microsoft.com/office/powerpoint/2010/main" val="1431395923"/>
+        <p14:creationId xmlns:p14="http://schemas.microsoft.com/office/powerpoint/2010/main" xmlns="" val="1431395923"/>
       </p:ext>
     </p:extLst>
   </p:cSld>
@@ -13932,7 +14020,7 @@
 <file path=ppt/theme/theme1.xml><?xml version="1.0" encoding="utf-8"?>
 <a:theme xmlns:a="http://schemas.openxmlformats.org/drawingml/2006/main" name="Office 主题">
   <a:themeElements>
-    <a:clrScheme name="Office">
+    <a:clrScheme name="自定义 1">
       <a:dk1>
         <a:sysClr val="windowText" lastClr="000000"/>
       </a:dk1>
@@ -13964,10 +14052,10 @@
         <a:srgbClr val="F79646"/>
       </a:accent6>
       <a:hlink>
-        <a:srgbClr val="0000FF"/>
+        <a:srgbClr val="92D050"/>
       </a:hlink>
       <a:folHlink>
-        <a:srgbClr val="800080"/>
+        <a:srgbClr val="D8D8D8"/>
       </a:folHlink>
     </a:clrScheme>
     <a:fontScheme name="Office">

--- a/class/Kissy Component Coding/基于Kissy的模块化编程.pptx
+++ b/class/Kissy Component Coding/基于Kissy的模块化编程.pptx
@@ -134,7 +134,7 @@
   </p:defaultTextStyle>
   <p:extLst>
     <p:ext uri="{EFAFB233-063F-42B5-8137-9DF3F51BA10A}">
-      <p15:sldGuideLst xmlns:p15="http://schemas.microsoft.com/office/powerpoint/2012/main" xmlns="">
+      <p15:sldGuideLst xmlns="" xmlns:p15="http://schemas.microsoft.com/office/powerpoint/2012/main">
         <p15:guide id="1" orient="horz" pos="2160">
           <p15:clr>
             <a:srgbClr val="A4A3A4"/>
@@ -6914,7 +6914,7 @@
     </p:spTree>
     <p:extLst>
       <p:ext uri="{BB962C8B-B14F-4D97-AF65-F5344CB8AC3E}">
-        <p14:creationId xmlns:p14="http://schemas.microsoft.com/office/powerpoint/2010/main" xmlns="" val="4167728408"/>
+        <p14:creationId xmlns="" xmlns:p14="http://schemas.microsoft.com/office/powerpoint/2010/main" val="4167728408"/>
       </p:ext>
     </p:extLst>
   </p:cSld>
@@ -7490,7 +7490,7 @@
     </p:spTree>
     <p:extLst>
       <p:ext uri="{BB962C8B-B14F-4D97-AF65-F5344CB8AC3E}">
-        <p14:creationId xmlns:p14="http://schemas.microsoft.com/office/powerpoint/2010/main" xmlns="" val="379890986"/>
+        <p14:creationId xmlns="" xmlns:p14="http://schemas.microsoft.com/office/powerpoint/2010/main" val="379890986"/>
       </p:ext>
     </p:extLst>
   </p:cSld>
@@ -7799,7 +7799,7 @@
           <a:blip r:embed="rId2" cstate="print">
             <a:extLst>
               <a:ext uri="{28A0092B-C50C-407E-A947-70E740481C1C}">
-                <a14:useLocalDpi xmlns:a14="http://schemas.microsoft.com/office/drawing/2010/main" xmlns="" val="0"/>
+                <a14:useLocalDpi xmlns="" xmlns:a14="http://schemas.microsoft.com/office/drawing/2010/main" val="0"/>
               </a:ext>
             </a:extLst>
           </a:blip>
@@ -7817,7 +7817,7 @@
     </p:spTree>
     <p:extLst>
       <p:ext uri="{BB962C8B-B14F-4D97-AF65-F5344CB8AC3E}">
-        <p14:creationId xmlns:p14="http://schemas.microsoft.com/office/powerpoint/2010/main" xmlns="" val="792331478"/>
+        <p14:creationId xmlns="" xmlns:p14="http://schemas.microsoft.com/office/powerpoint/2010/main" val="792331478"/>
       </p:ext>
     </p:extLst>
   </p:cSld>
@@ -8001,7 +8001,7 @@
           <a:blip r:embed="rId2" cstate="print">
             <a:extLst>
               <a:ext uri="{28A0092B-C50C-407E-A947-70E740481C1C}">
-                <a14:useLocalDpi xmlns:a14="http://schemas.microsoft.com/office/drawing/2010/main" xmlns="" val="0"/>
+                <a14:useLocalDpi xmlns="" xmlns:a14="http://schemas.microsoft.com/office/drawing/2010/main" val="0"/>
               </a:ext>
             </a:extLst>
           </a:blip>
@@ -8019,7 +8019,7 @@
     </p:spTree>
     <p:extLst>
       <p:ext uri="{BB962C8B-B14F-4D97-AF65-F5344CB8AC3E}">
-        <p14:creationId xmlns:p14="http://schemas.microsoft.com/office/powerpoint/2010/main" xmlns="" val="4081580982"/>
+        <p14:creationId xmlns="" xmlns:p14="http://schemas.microsoft.com/office/powerpoint/2010/main" val="4081580982"/>
       </p:ext>
     </p:extLst>
   </p:cSld>
@@ -8304,7 +8304,7 @@
     </p:spTree>
     <p:extLst>
       <p:ext uri="{BB962C8B-B14F-4D97-AF65-F5344CB8AC3E}">
-        <p14:creationId xmlns:p14="http://schemas.microsoft.com/office/powerpoint/2010/main" xmlns="" val="3387526235"/>
+        <p14:creationId xmlns="" xmlns:p14="http://schemas.microsoft.com/office/powerpoint/2010/main" val="3387526235"/>
       </p:ext>
     </p:extLst>
   </p:cSld>
@@ -8636,7 +8636,7 @@
     </p:spTree>
     <p:extLst>
       <p:ext uri="{BB962C8B-B14F-4D97-AF65-F5344CB8AC3E}">
-        <p14:creationId xmlns:p14="http://schemas.microsoft.com/office/powerpoint/2010/main" xmlns="" val="379890986"/>
+        <p14:creationId xmlns="" xmlns:p14="http://schemas.microsoft.com/office/powerpoint/2010/main" val="379890986"/>
       </p:ext>
     </p:extLst>
   </p:cSld>
@@ -9006,7 +9006,7 @@
     </p:spTree>
     <p:extLst>
       <p:ext uri="{BB962C8B-B14F-4D97-AF65-F5344CB8AC3E}">
-        <p14:creationId xmlns:p14="http://schemas.microsoft.com/office/powerpoint/2010/main" xmlns="" val="248935869"/>
+        <p14:creationId xmlns="" xmlns:p14="http://schemas.microsoft.com/office/powerpoint/2010/main" val="248935869"/>
       </p:ext>
     </p:extLst>
   </p:cSld>
@@ -9209,7 +9209,7 @@
     </p:spTree>
     <p:extLst>
       <p:ext uri="{BB962C8B-B14F-4D97-AF65-F5344CB8AC3E}">
-        <p14:creationId xmlns:p14="http://schemas.microsoft.com/office/powerpoint/2010/main" xmlns="" val="271405633"/>
+        <p14:creationId xmlns="" xmlns:p14="http://schemas.microsoft.com/office/powerpoint/2010/main" val="271405633"/>
       </p:ext>
     </p:extLst>
   </p:cSld>
@@ -9362,7 +9362,7 @@
           <a:blip r:embed="rId2" cstate="print">
             <a:extLst>
               <a:ext uri="{28A0092B-C50C-407E-A947-70E740481C1C}">
-                <a14:useLocalDpi xmlns:a14="http://schemas.microsoft.com/office/drawing/2010/main" xmlns="" val="0"/>
+                <a14:useLocalDpi xmlns="" xmlns:a14="http://schemas.microsoft.com/office/drawing/2010/main" val="0"/>
               </a:ext>
             </a:extLst>
           </a:blip>
@@ -9380,7 +9380,7 @@
     </p:spTree>
     <p:extLst>
       <p:ext uri="{BB962C8B-B14F-4D97-AF65-F5344CB8AC3E}">
-        <p14:creationId xmlns:p14="http://schemas.microsoft.com/office/powerpoint/2010/main" xmlns="" val="1553285463"/>
+        <p14:creationId xmlns="" xmlns:p14="http://schemas.microsoft.com/office/powerpoint/2010/main" val="1553285463"/>
       </p:ext>
     </p:extLst>
   </p:cSld>
@@ -9608,7 +9608,7 @@
     </p:spTree>
     <p:extLst>
       <p:ext uri="{BB962C8B-B14F-4D97-AF65-F5344CB8AC3E}">
-        <p14:creationId xmlns:p14="http://schemas.microsoft.com/office/powerpoint/2010/main" xmlns="" val="2272969805"/>
+        <p14:creationId xmlns="" xmlns:p14="http://schemas.microsoft.com/office/powerpoint/2010/main" val="2272969805"/>
       </p:ext>
     </p:extLst>
   </p:cSld>
@@ -9995,7 +9995,7 @@
     </p:spTree>
     <p:extLst>
       <p:ext uri="{BB962C8B-B14F-4D97-AF65-F5344CB8AC3E}">
-        <p14:creationId xmlns:p14="http://schemas.microsoft.com/office/powerpoint/2010/main" xmlns="" val="3719362025"/>
+        <p14:creationId xmlns="" xmlns:p14="http://schemas.microsoft.com/office/powerpoint/2010/main" val="3719362025"/>
       </p:ext>
     </p:extLst>
   </p:cSld>
@@ -10311,7 +10311,7 @@
     </p:spTree>
     <p:extLst>
       <p:ext uri="{BB962C8B-B14F-4D97-AF65-F5344CB8AC3E}">
-        <p14:creationId xmlns:p14="http://schemas.microsoft.com/office/powerpoint/2010/main" xmlns="" val="3537854853"/>
+        <p14:creationId xmlns="" xmlns:p14="http://schemas.microsoft.com/office/powerpoint/2010/main" val="3537854853"/>
       </p:ext>
     </p:extLst>
   </p:cSld>
@@ -10540,7 +10540,7 @@
     </p:spTree>
     <p:extLst>
       <p:ext uri="{BB962C8B-B14F-4D97-AF65-F5344CB8AC3E}">
-        <p14:creationId xmlns:p14="http://schemas.microsoft.com/office/powerpoint/2010/main" xmlns="" val="3791668808"/>
+        <p14:creationId xmlns="" xmlns:p14="http://schemas.microsoft.com/office/powerpoint/2010/main" val="3791668808"/>
       </p:ext>
     </p:extLst>
   </p:cSld>
@@ -10936,7 +10936,7 @@
     </p:spTree>
     <p:extLst>
       <p:ext uri="{BB962C8B-B14F-4D97-AF65-F5344CB8AC3E}">
-        <p14:creationId xmlns:p14="http://schemas.microsoft.com/office/powerpoint/2010/main" xmlns="" val="216159993"/>
+        <p14:creationId xmlns="" xmlns:p14="http://schemas.microsoft.com/office/powerpoint/2010/main" val="216159993"/>
       </p:ext>
     </p:extLst>
   </p:cSld>
@@ -11095,7 +11095,7 @@
         <p:spPr>
           <a:xfrm>
             <a:off x="457200" y="1600200"/>
-            <a:ext cx="8075240" cy="5069160"/>
+            <a:ext cx="8075240" cy="4781128"/>
           </a:xfrm>
         </p:spPr>
         <p:txBody>
@@ -11108,11 +11108,11 @@
               <a:buNone/>
             </a:pPr>
             <a:r>
-              <a:rPr lang="en-US" altLang="zh-CN" sz="1600" dirty="0" err="1"/>
+              <a:rPr lang="en-US" altLang="zh-CN" sz="1200" dirty="0" err="1"/>
               <a:t>KISSY.add</a:t>
             </a:r>
             <a:r>
-              <a:rPr lang="en-US" altLang="zh-CN" sz="1600" dirty="0"/>
+              <a:rPr lang="en-US" altLang="zh-CN" sz="1200" dirty="0"/>
               <a:t>('gallery/calendar/1.1/index', function (S, Node, Base) {</a:t>
             </a:r>
           </a:p>
@@ -11120,14 +11120,14 @@
             <a:pPr marL="0" indent="0">
               <a:buNone/>
             </a:pPr>
-            <a:endParaRPr lang="en-US" altLang="zh-CN" sz="1600" dirty="0"/>
+            <a:endParaRPr lang="en-US" altLang="zh-CN" sz="1200" dirty="0"/>
           </a:p>
           <a:p>
             <a:pPr marL="0" indent="0">
               <a:buNone/>
             </a:pPr>
             <a:r>
-              <a:rPr lang="en-US" altLang="zh-CN" sz="1600" dirty="0"/>
+              <a:rPr lang="en-US" altLang="zh-CN" sz="1200" dirty="0"/>
               <a:t>    /**</a:t>
             </a:r>
           </a:p>
@@ -11136,11 +11136,11 @@
               <a:buNone/>
             </a:pPr>
             <a:r>
-              <a:rPr lang="en-US" altLang="zh-CN" sz="1600" dirty="0"/>
+              <a:rPr lang="en-US" altLang="zh-CN" sz="1200" dirty="0"/>
               <a:t>     * </a:t>
             </a:r>
             <a:r>
-              <a:rPr lang="zh-CN" altLang="en-US" sz="1600" dirty="0"/>
+              <a:rPr lang="zh-CN" altLang="en-US" sz="1200" dirty="0"/>
               <a:t>创建日历构造函数</a:t>
             </a:r>
           </a:p>
@@ -11149,7 +11149,7 @@
               <a:buNone/>
             </a:pPr>
             <a:r>
-              <a:rPr lang="zh-CN" altLang="en-US" sz="1600" dirty="0"/>
+              <a:rPr lang="zh-CN" altLang="en-US" sz="1200" dirty="0"/>
               <a:t>     *</a:t>
             </a:r>
           </a:p>
@@ -11158,11 +11158,11 @@
               <a:buNone/>
             </a:pPr>
             <a:r>
-              <a:rPr lang="zh-CN" altLang="en-US" sz="1600" dirty="0"/>
+              <a:rPr lang="zh-CN" altLang="en-US" sz="1200" dirty="0"/>
               <a:t>     * </a:t>
             </a:r>
             <a:r>
-              <a:rPr lang="en-US" altLang="zh-CN" sz="1600" dirty="0"/>
+              <a:rPr lang="en-US" altLang="zh-CN" sz="1200" dirty="0"/>
               <a:t>@class   Calendar</a:t>
             </a:r>
           </a:p>
@@ -11171,7 +11171,7 @@
               <a:buNone/>
             </a:pPr>
             <a:r>
-              <a:rPr lang="en-US" altLang="zh-CN" sz="1600" dirty="0"/>
+              <a:rPr lang="en-US" altLang="zh-CN" sz="1200" dirty="0"/>
               <a:t>     * @extends {Base}</a:t>
             </a:r>
           </a:p>
@@ -11180,39 +11180,39 @@
               <a:buNone/>
             </a:pPr>
             <a:r>
-              <a:rPr lang="en-US" altLang="zh-CN" sz="1600" dirty="0"/>
+              <a:rPr lang="en-US" altLang="zh-CN" sz="1200" dirty="0"/>
               <a:t>     * @</a:t>
             </a:r>
             <a:r>
-              <a:rPr lang="en-US" altLang="zh-CN" sz="1600" dirty="0" err="1"/>
+              <a:rPr lang="en-US" altLang="zh-CN" sz="1200" dirty="0" err="1"/>
               <a:t>param</a:t>
             </a:r>
             <a:r>
-              <a:rPr lang="en-US" altLang="zh-CN" sz="1600" dirty="0"/>
+              <a:rPr lang="en-US" altLang="zh-CN" sz="1200" dirty="0"/>
               <a:t>   {Object} </a:t>
             </a:r>
             <a:r>
-              <a:rPr lang="en-US" altLang="zh-CN" sz="1600" dirty="0" err="1"/>
+              <a:rPr lang="en-US" altLang="zh-CN" sz="1200" dirty="0" err="1"/>
               <a:t>config</a:t>
             </a:r>
             <a:r>
-              <a:rPr lang="en-US" altLang="zh-CN" sz="1600" dirty="0"/>
+              <a:rPr lang="en-US" altLang="zh-CN" sz="1200" dirty="0"/>
               <a:t> </a:t>
             </a:r>
             <a:r>
-              <a:rPr lang="zh-CN" altLang="en-US" sz="1600" dirty="0"/>
+              <a:rPr lang="zh-CN" altLang="en-US" sz="1200" dirty="0"/>
               <a:t>配置对象 </a:t>
             </a:r>
             <a:r>
-              <a:rPr lang="en-US" altLang="zh-CN" sz="1600" dirty="0"/>
+              <a:rPr lang="en-US" altLang="zh-CN" sz="1200" dirty="0"/>
               <a:t>(</a:t>
             </a:r>
             <a:r>
-              <a:rPr lang="zh-CN" altLang="en-US" sz="1600" dirty="0"/>
+              <a:rPr lang="zh-CN" altLang="en-US" sz="1200" dirty="0"/>
               <a:t>详情见</a:t>
             </a:r>
             <a:r>
-              <a:rPr lang="en-US" altLang="zh-CN" sz="1600" dirty="0"/>
+              <a:rPr lang="en-US" altLang="zh-CN" sz="1200" dirty="0"/>
               <a:t>API)</a:t>
             </a:r>
           </a:p>
@@ -11221,7 +11221,7 @@
               <a:buNone/>
             </a:pPr>
             <a:r>
-              <a:rPr lang="en-US" altLang="zh-CN" sz="1600" dirty="0"/>
+              <a:rPr lang="en-US" altLang="zh-CN" sz="1200" dirty="0"/>
               <a:t>     * @constructor</a:t>
             </a:r>
           </a:p>
@@ -11230,7 +11230,7 @@
               <a:buNone/>
             </a:pPr>
             <a:r>
-              <a:rPr lang="en-US" altLang="zh-CN" sz="1600" dirty="0"/>
+              <a:rPr lang="en-US" altLang="zh-CN" sz="1200" dirty="0"/>
               <a:t>     */</a:t>
             </a:r>
           </a:p>
@@ -11239,7 +11239,7 @@
               <a:buNone/>
             </a:pPr>
             <a:r>
-              <a:rPr lang="en-US" altLang="zh-CN" sz="1600" dirty="0"/>
+              <a:rPr lang="en-US" altLang="zh-CN" sz="1200" dirty="0"/>
               <a:t>    function Calendar() {</a:t>
             </a:r>
           </a:p>
@@ -11248,15 +11248,15 @@
               <a:buNone/>
             </a:pPr>
             <a:r>
-              <a:rPr lang="en-US" altLang="zh-CN" sz="1600" dirty="0"/>
+              <a:rPr lang="en-US" altLang="zh-CN" sz="1200" dirty="0"/>
               <a:t>        </a:t>
             </a:r>
             <a:r>
-              <a:rPr lang="en-US" altLang="zh-CN" sz="1600" dirty="0" err="1"/>
+              <a:rPr lang="en-US" altLang="zh-CN" sz="1200" dirty="0" err="1"/>
               <a:t>Calendar.superclass.constructor.apply</a:t>
             </a:r>
             <a:r>
-              <a:rPr lang="en-US" altLang="zh-CN" sz="1600" dirty="0"/>
+              <a:rPr lang="en-US" altLang="zh-CN" sz="1200" dirty="0"/>
               <a:t>(this, arguments);</a:t>
             </a:r>
           </a:p>
@@ -11265,15 +11265,15 @@
               <a:buNone/>
             </a:pPr>
             <a:r>
-              <a:rPr lang="en-US" altLang="zh-CN" sz="1600" dirty="0"/>
+              <a:rPr lang="en-US" altLang="zh-CN" sz="1200" dirty="0"/>
               <a:t>        </a:t>
             </a:r>
             <a:r>
-              <a:rPr lang="en-US" altLang="zh-CN" sz="1600" dirty="0" err="1"/>
+              <a:rPr lang="en-US" altLang="zh-CN" sz="1200" dirty="0" err="1"/>
               <a:t>this.initializer</a:t>
             </a:r>
             <a:r>
-              <a:rPr lang="en-US" altLang="zh-CN" sz="1600" dirty="0"/>
+              <a:rPr lang="en-US" altLang="zh-CN" sz="1200" dirty="0"/>
               <a:t>();</a:t>
             </a:r>
           </a:p>
@@ -11282,7 +11282,7 @@
               <a:buNone/>
             </a:pPr>
             <a:r>
-              <a:rPr lang="en-US" altLang="zh-CN" sz="1600" dirty="0"/>
+              <a:rPr lang="en-US" altLang="zh-CN" sz="1200" dirty="0"/>
               <a:t>    }</a:t>
             </a:r>
           </a:p>
@@ -11290,54 +11290,54 @@
             <a:pPr marL="0" indent="0">
               <a:buNone/>
             </a:pPr>
-            <a:endParaRPr lang="en-US" altLang="zh-CN" sz="1600" dirty="0"/>
+            <a:endParaRPr lang="en-US" altLang="zh-CN" sz="1200" dirty="0"/>
           </a:p>
           <a:p>
             <a:pPr marL="0" indent="0">
               <a:buNone/>
             </a:pPr>
             <a:r>
-              <a:rPr lang="en-US" altLang="zh-CN" sz="1600" dirty="0"/>
+              <a:rPr lang="en-US" altLang="zh-CN" sz="1200" dirty="0"/>
               <a:t>    return </a:t>
             </a:r>
             <a:r>
-              <a:rPr lang="en-US" altLang="zh-CN" sz="1600" dirty="0" err="1"/>
+              <a:rPr lang="en-US" altLang="zh-CN" sz="1200" dirty="0" err="1"/>
               <a:t>S.TripCalendar</a:t>
             </a:r>
             <a:r>
-              <a:rPr lang="en-US" altLang="zh-CN" sz="1600" dirty="0"/>
+              <a:rPr lang="en-US" altLang="zh-CN" sz="1200" dirty="0"/>
               <a:t> = </a:t>
             </a:r>
             <a:r>
-              <a:rPr lang="en-US" altLang="zh-CN" sz="1600" dirty="0" err="1"/>
+              <a:rPr lang="en-US" altLang="zh-CN" sz="1200" dirty="0" err="1"/>
               <a:t>S.extend</a:t>
             </a:r>
             <a:r>
-              <a:rPr lang="en-US" altLang="zh-CN" sz="1600" dirty="0"/>
+              <a:rPr lang="en-US" altLang="zh-CN" sz="1200" dirty="0"/>
               <a:t>(Calendar, Base, </a:t>
             </a:r>
             <a:r>
-              <a:rPr lang="en-US" altLang="zh-CN" sz="1600" dirty="0" smtClean="0"/>
+              <a:rPr lang="en-US" altLang="zh-CN" sz="1200" dirty="0" smtClean="0"/>
               <a:t>{</a:t>
             </a:r>
             <a:r>
-              <a:rPr lang="zh-CN" altLang="en-US" sz="1600" i="1" dirty="0"/>
+              <a:rPr lang="zh-CN" altLang="en-US" sz="1200" i="1" dirty="0"/>
               <a:t>组件</a:t>
             </a:r>
             <a:r>
-              <a:rPr lang="zh-CN" altLang="en-US" sz="1600" i="1" dirty="0" smtClean="0"/>
+              <a:rPr lang="zh-CN" altLang="en-US" sz="1200" i="1" dirty="0" smtClean="0"/>
               <a:t>方法</a:t>
             </a:r>
             <a:r>
-              <a:rPr lang="en-US" altLang="zh-CN" sz="1600" dirty="0" smtClean="0"/>
+              <a:rPr lang="en-US" altLang="zh-CN" sz="1200" dirty="0" smtClean="0"/>
               <a:t>}, {</a:t>
             </a:r>
             <a:r>
-              <a:rPr lang="zh-CN" altLang="en-US" sz="1600" i="1" dirty="0" smtClean="0"/>
+              <a:rPr lang="zh-CN" altLang="en-US" sz="1200" i="1" dirty="0" smtClean="0"/>
               <a:t>静态变量和方法</a:t>
             </a:r>
             <a:r>
-              <a:rPr lang="en-US" altLang="zh-CN" sz="1600" dirty="0" smtClean="0"/>
+              <a:rPr lang="en-US" altLang="zh-CN" sz="1200" dirty="0" smtClean="0"/>
               <a:t>};</a:t>
             </a:r>
           </a:p>
@@ -11346,17 +11346,40 @@
               <a:buNone/>
             </a:pPr>
             <a:r>
-              <a:rPr lang="en-US" altLang="zh-CN" sz="1600" dirty="0" smtClean="0"/>
+              <a:rPr lang="en-US" altLang="zh-CN" sz="1200" dirty="0" smtClean="0"/>
               <a:t>});</a:t>
             </a:r>
-            <a:endParaRPr lang="zh-CN" altLang="en-US" sz="1600" dirty="0"/>
+          </a:p>
+          <a:p>
+            <a:pPr marL="0" indent="0">
+              <a:buNone/>
+            </a:pPr>
+            <a:endParaRPr lang="en-US" altLang="zh-CN" sz="1400" dirty="0" smtClean="0"/>
+          </a:p>
+          <a:p>
+            <a:pPr marL="0" indent="0">
+              <a:buNone/>
+            </a:pPr>
+            <a:r>
+              <a:rPr lang="en-US" altLang="zh-CN" sz="2400" dirty="0" smtClean="0">
+                <a:hlinkClick r:id="rId3"/>
+              </a:rPr>
+              <a:t>API</a:t>
+            </a:r>
+            <a:r>
+              <a:rPr lang="zh-CN" altLang="en-US" sz="2400" dirty="0" smtClean="0">
+                <a:hlinkClick r:id="rId3"/>
+              </a:rPr>
+              <a:t>文档</a:t>
+            </a:r>
+            <a:endParaRPr lang="zh-CN" altLang="en-US" sz="2400" dirty="0"/>
           </a:p>
         </p:txBody>
       </p:sp>
     </p:spTree>
     <p:extLst>
       <p:ext uri="{BB962C8B-B14F-4D97-AF65-F5344CB8AC3E}">
-        <p14:creationId xmlns:p14="http://schemas.microsoft.com/office/powerpoint/2010/main" xmlns="" val="3579502457"/>
+        <p14:creationId xmlns="" xmlns:p14="http://schemas.microsoft.com/office/powerpoint/2010/main" val="3579502457"/>
       </p:ext>
     </p:extLst>
   </p:cSld>
@@ -11508,7 +11531,7 @@
           <a:blip r:embed="rId2" cstate="print">
             <a:extLst>
               <a:ext uri="{28A0092B-C50C-407E-A947-70E740481C1C}">
-                <a14:useLocalDpi xmlns:a14="http://schemas.microsoft.com/office/drawing/2010/main" xmlns="" val="0"/>
+                <a14:useLocalDpi xmlns="" xmlns:a14="http://schemas.microsoft.com/office/drawing/2010/main" val="0"/>
               </a:ext>
             </a:extLst>
           </a:blip>
@@ -11526,7 +11549,7 @@
     </p:spTree>
     <p:extLst>
       <p:ext uri="{BB962C8B-B14F-4D97-AF65-F5344CB8AC3E}">
-        <p14:creationId xmlns:p14="http://schemas.microsoft.com/office/powerpoint/2010/main" xmlns="" val="191745735"/>
+        <p14:creationId xmlns="" xmlns:p14="http://schemas.microsoft.com/office/powerpoint/2010/main" val="191745735"/>
       </p:ext>
     </p:extLst>
   </p:cSld>
@@ -11929,7 +11952,7 @@
     </p:spTree>
     <p:extLst>
       <p:ext uri="{BB962C8B-B14F-4D97-AF65-F5344CB8AC3E}">
-        <p14:creationId xmlns:p14="http://schemas.microsoft.com/office/powerpoint/2010/main" xmlns="" val="1095963931"/>
+        <p14:creationId xmlns="" xmlns:p14="http://schemas.microsoft.com/office/powerpoint/2010/main" val="1095963931"/>
       </p:ext>
     </p:extLst>
   </p:cSld>
@@ -12144,7 +12167,7 @@
     </p:spTree>
     <p:extLst>
       <p:ext uri="{BB962C8B-B14F-4D97-AF65-F5344CB8AC3E}">
-        <p14:creationId xmlns:p14="http://schemas.microsoft.com/office/powerpoint/2010/main" xmlns="" val="419811842"/>
+        <p14:creationId xmlns="" xmlns:p14="http://schemas.microsoft.com/office/powerpoint/2010/main" val="419811842"/>
       </p:ext>
     </p:extLst>
   </p:cSld>
@@ -12369,7 +12392,7 @@
     </p:spTree>
     <p:extLst>
       <p:ext uri="{BB962C8B-B14F-4D97-AF65-F5344CB8AC3E}">
-        <p14:creationId xmlns:p14="http://schemas.microsoft.com/office/powerpoint/2010/main" xmlns="" val="1082613679"/>
+        <p14:creationId xmlns="" xmlns:p14="http://schemas.microsoft.com/office/powerpoint/2010/main" val="1082613679"/>
       </p:ext>
     </p:extLst>
   </p:cSld>
@@ -13012,7 +13035,7 @@
     </p:spTree>
     <p:extLst>
       <p:ext uri="{BB962C8B-B14F-4D97-AF65-F5344CB8AC3E}">
-        <p14:creationId xmlns:p14="http://schemas.microsoft.com/office/powerpoint/2010/main" xmlns="" val="1363008113"/>
+        <p14:creationId xmlns="" xmlns:p14="http://schemas.microsoft.com/office/powerpoint/2010/main" val="1363008113"/>
       </p:ext>
     </p:extLst>
   </p:cSld>
@@ -13279,7 +13302,7 @@
     </p:spTree>
     <p:extLst>
       <p:ext uri="{BB962C8B-B14F-4D97-AF65-F5344CB8AC3E}">
-        <p14:creationId xmlns:p14="http://schemas.microsoft.com/office/powerpoint/2010/main" xmlns="" val="1363008113"/>
+        <p14:creationId xmlns="" xmlns:p14="http://schemas.microsoft.com/office/powerpoint/2010/main" val="1363008113"/>
       </p:ext>
     </p:extLst>
   </p:cSld>
@@ -13472,7 +13495,7 @@
     </p:spTree>
     <p:extLst>
       <p:ext uri="{BB962C8B-B14F-4D97-AF65-F5344CB8AC3E}">
-        <p14:creationId xmlns:p14="http://schemas.microsoft.com/office/powerpoint/2010/main" xmlns="" val="1099468481"/>
+        <p14:creationId xmlns="" xmlns:p14="http://schemas.microsoft.com/office/powerpoint/2010/main" val="1099468481"/>
       </p:ext>
     </p:extLst>
   </p:cSld>
@@ -13613,7 +13636,7 @@
             <p:ph idx="1"/>
             <p:extLst>
               <p:ext uri="{D42A27DB-BD31-4B8C-83A1-F6EECF244321}">
-                <p14:modId xmlns:p14="http://schemas.microsoft.com/office/powerpoint/2010/main" xmlns="" val="3919395527"/>
+                <p14:modId xmlns="" xmlns:p14="http://schemas.microsoft.com/office/powerpoint/2010/main" val="3919395527"/>
               </p:ext>
             </p:extLst>
           </p:nvPr>
@@ -13631,7 +13654,7 @@
     </p:spTree>
     <p:extLst>
       <p:ext uri="{BB962C8B-B14F-4D97-AF65-F5344CB8AC3E}">
-        <p14:creationId xmlns:p14="http://schemas.microsoft.com/office/powerpoint/2010/main" xmlns="" val="791958217"/>
+        <p14:creationId xmlns="" xmlns:p14="http://schemas.microsoft.com/office/powerpoint/2010/main" val="791958217"/>
       </p:ext>
     </p:extLst>
   </p:cSld>
@@ -14000,7 +14023,7 @@
     </p:spTree>
     <p:extLst>
       <p:ext uri="{BB962C8B-B14F-4D97-AF65-F5344CB8AC3E}">
-        <p14:creationId xmlns:p14="http://schemas.microsoft.com/office/powerpoint/2010/main" xmlns="" val="1431395923"/>
+        <p14:creationId xmlns="" xmlns:p14="http://schemas.microsoft.com/office/powerpoint/2010/main" val="1431395923"/>
       </p:ext>
     </p:extLst>
   </p:cSld>

--- a/class/Kissy Component Coding/基于Kissy的模块化编程.pptx
+++ b/class/Kissy Component Coding/基于Kissy的模块化编程.pptx
@@ -21,19 +21,18 @@
     <p:sldId id="275" r:id="rId15"/>
     <p:sldId id="290" r:id="rId16"/>
     <p:sldId id="276" r:id="rId17"/>
-    <p:sldId id="277" r:id="rId18"/>
-    <p:sldId id="278" r:id="rId19"/>
-    <p:sldId id="279" r:id="rId20"/>
-    <p:sldId id="280" r:id="rId21"/>
-    <p:sldId id="281" r:id="rId22"/>
-    <p:sldId id="282" r:id="rId23"/>
-    <p:sldId id="283" r:id="rId24"/>
-    <p:sldId id="284" r:id="rId25"/>
-    <p:sldId id="285" r:id="rId26"/>
-    <p:sldId id="286" r:id="rId27"/>
-    <p:sldId id="287" r:id="rId28"/>
-    <p:sldId id="289" r:id="rId29"/>
-    <p:sldId id="292" r:id="rId30"/>
+    <p:sldId id="278" r:id="rId18"/>
+    <p:sldId id="279" r:id="rId19"/>
+    <p:sldId id="280" r:id="rId20"/>
+    <p:sldId id="281" r:id="rId21"/>
+    <p:sldId id="282" r:id="rId22"/>
+    <p:sldId id="283" r:id="rId23"/>
+    <p:sldId id="284" r:id="rId24"/>
+    <p:sldId id="285" r:id="rId25"/>
+    <p:sldId id="286" r:id="rId26"/>
+    <p:sldId id="287" r:id="rId27"/>
+    <p:sldId id="289" r:id="rId28"/>
+    <p:sldId id="292" r:id="rId29"/>
   </p:sldIdLst>
   <p:sldSz cx="9144000" cy="6858000" type="screen4x3"/>
   <p:notesSz cx="6858000" cy="9144000"/>
@@ -9145,209 +9144,6 @@
           </a:p>
         </p:txBody>
       </p:sp>
-      <p:sp>
-        <p:nvSpPr>
-          <p:cNvPr id="5" name="内容占位符 4"/>
-          <p:cNvSpPr>
-            <a:spLocks noGrp="1"/>
-          </p:cNvSpPr>
-          <p:nvPr>
-            <p:ph idx="1"/>
-          </p:nvPr>
-        </p:nvSpPr>
-        <p:spPr>
-          <a:xfrm>
-            <a:off x="457200" y="1600200"/>
-            <a:ext cx="8075240" cy="4525963"/>
-          </a:xfrm>
-        </p:spPr>
-        <p:txBody>
-          <a:bodyPr>
-            <a:normAutofit/>
-          </a:bodyPr>
-          <a:lstStyle/>
-          <a:p>
-            <a:r>
-              <a:rPr lang="zh-CN" altLang="en-US" dirty="0"/>
-              <a:t>命名空间</a:t>
-            </a:r>
-          </a:p>
-          <a:p>
-            <a:pPr lvl="1"/>
-            <a:r>
-              <a:rPr lang="zh-CN" altLang="en-US" dirty="0"/>
-              <a:t>借助文件</a:t>
-            </a:r>
-            <a:r>
-              <a:rPr lang="en-US" altLang="zh-CN" dirty="0" err="1"/>
-              <a:t>url</a:t>
-            </a:r>
-            <a:r>
-              <a:rPr lang="zh-CN" altLang="en-US" dirty="0"/>
-              <a:t>唯一性</a:t>
-            </a:r>
-          </a:p>
-          <a:p>
-            <a:r>
-              <a:rPr lang="zh-CN" altLang="en-US" dirty="0"/>
-              <a:t>文件依赖</a:t>
-            </a:r>
-          </a:p>
-          <a:p>
-            <a:pPr lvl="1"/>
-            <a:r>
-              <a:rPr lang="en-US" altLang="zh-CN" dirty="0"/>
-              <a:t>require</a:t>
-            </a:r>
-            <a:r>
-              <a:rPr lang="zh-CN" altLang="en-US" dirty="0"/>
-              <a:t>属性</a:t>
-            </a:r>
-          </a:p>
-        </p:txBody>
-      </p:sp>
-    </p:spTree>
-    <p:extLst>
-      <p:ext uri="{BB962C8B-B14F-4D97-AF65-F5344CB8AC3E}">
-        <p14:creationId xmlns="" xmlns:p14="http://schemas.microsoft.com/office/powerpoint/2010/main" val="271405633"/>
-      </p:ext>
-    </p:extLst>
-  </p:cSld>
-  <p:clrMapOvr>
-    <a:masterClrMapping/>
-  </p:clrMapOvr>
-</p:sld>
-</file>
-
-<file path=ppt/slides/slide18.xml><?xml version="1.0" encoding="utf-8"?>
-<p:sld xmlns:a="http://schemas.openxmlformats.org/drawingml/2006/main" xmlns:r="http://schemas.openxmlformats.org/officeDocument/2006/relationships" xmlns:p="http://schemas.openxmlformats.org/presentationml/2006/main">
-  <p:cSld>
-    <p:spTree>
-      <p:nvGrpSpPr>
-        <p:cNvPr id="1" name=""/>
-        <p:cNvGrpSpPr/>
-        <p:nvPr/>
-      </p:nvGrpSpPr>
-      <p:grpSpPr>
-        <a:xfrm>
-          <a:off x="0" y="0"/>
-          <a:ext cx="0" cy="0"/>
-          <a:chOff x="0" y="0"/>
-          <a:chExt cx="0" cy="0"/>
-        </a:xfrm>
-      </p:grpSpPr>
-      <p:sp>
-        <p:nvSpPr>
-          <p:cNvPr id="2" name="标题 1"/>
-          <p:cNvSpPr>
-            <a:spLocks noGrp="1"/>
-          </p:cNvSpPr>
-          <p:nvPr>
-            <p:ph type="title"/>
-          </p:nvPr>
-        </p:nvSpPr>
-        <p:spPr/>
-        <p:txBody>
-          <a:bodyPr>
-            <a:normAutofit/>
-          </a:bodyPr>
-          <a:lstStyle/>
-          <a:p>
-            <a:pPr algn="l"/>
-            <a:r>
-              <a:rPr lang="en-US" altLang="zh-CN" sz="3600" dirty="0"/>
-              <a:t>Kissy</a:t>
-            </a:r>
-            <a:r>
-              <a:rPr lang="zh-CN" altLang="en-US" sz="3600" dirty="0"/>
-              <a:t>中的</a:t>
-            </a:r>
-            <a:r>
-              <a:rPr lang="zh-CN" altLang="en-US" sz="3600" dirty="0" smtClean="0"/>
-              <a:t>模块化</a:t>
-            </a:r>
-            <a:endParaRPr lang="zh-CN" altLang="en-US" sz="3600" dirty="0"/>
-          </a:p>
-        </p:txBody>
-      </p:sp>
-      <p:sp>
-        <p:nvSpPr>
-          <p:cNvPr id="4" name="标题 1"/>
-          <p:cNvSpPr txBox="1">
-            <a:spLocks/>
-          </p:cNvSpPr>
-          <p:nvPr/>
-        </p:nvSpPr>
-        <p:spPr>
-          <a:xfrm>
-            <a:off x="6156176" y="0"/>
-            <a:ext cx="2987824" cy="1143000"/>
-          </a:xfrm>
-          <a:prstGeom prst="rect">
-            <a:avLst/>
-          </a:prstGeom>
-        </p:spPr>
-        <p:txBody>
-          <a:bodyPr vert="horz" lIns="91440" tIns="45720" rIns="91440" bIns="45720" rtlCol="0" anchor="ctr">
-            <a:normAutofit/>
-          </a:bodyPr>
-          <a:lstStyle/>
-          <a:p>
-            <a:pPr marL="0" marR="0" lvl="0" indent="0" algn="l" defTabSz="914400" rtl="0" eaLnBrk="1" fontAlgn="auto" latinLnBrk="0" hangingPunct="1">
-              <a:lnSpc>
-                <a:spcPct val="100000"/>
-              </a:lnSpc>
-              <a:spcBef>
-                <a:spcPct val="0"/>
-              </a:spcBef>
-              <a:spcAft>
-                <a:spcPts val="0"/>
-              </a:spcAft>
-              <a:buClrTx/>
-              <a:buSzTx/>
-              <a:buFontTx/>
-              <a:buNone/>
-              <a:tabLst/>
-              <a:defRPr/>
-            </a:pPr>
-            <a:r>
-              <a:rPr kumimoji="0" lang="zh-CN" altLang="en-US" sz="4400" b="0" i="0" u="none" strike="noStrike" kern="1200" cap="none" spc="0" normalizeH="0" baseline="0" noProof="0" dirty="0" smtClean="0">
-                <a:ln>
-                  <a:noFill/>
-                </a:ln>
-                <a:solidFill>
-                  <a:schemeClr val="tx1">
-                    <a:lumMod val="75000"/>
-                  </a:schemeClr>
-                </a:solidFill>
-                <a:effectLst/>
-                <a:uLnTx/>
-                <a:uFillTx/>
-                <a:latin typeface="微软雅黑" pitchFamily="34" charset="-122"/>
-                <a:ea typeface="微软雅黑" pitchFamily="34" charset="-122"/>
-                <a:cs typeface="+mj-cs"/>
-              </a:rPr>
-              <a:t>模块化机制</a:t>
-            </a:r>
-            <a:endParaRPr kumimoji="0" lang="zh-CN" altLang="en-US" sz="4400" b="0" i="0" u="none" strike="noStrike" kern="1200" cap="none" spc="0" normalizeH="0" baseline="0" noProof="0" dirty="0">
-              <a:ln>
-                <a:noFill/>
-              </a:ln>
-              <a:solidFill>
-                <a:schemeClr val="tx1">
-                  <a:lumMod val="75000"/>
-                </a:schemeClr>
-              </a:solidFill>
-              <a:effectLst/>
-              <a:uLnTx/>
-              <a:uFillTx/>
-              <a:latin typeface="微软雅黑" pitchFamily="34" charset="-122"/>
-              <a:ea typeface="微软雅黑" pitchFamily="34" charset="-122"/>
-              <a:cs typeface="+mj-cs"/>
-            </a:endParaRPr>
-          </a:p>
-        </p:txBody>
-      </p:sp>
       <p:pic>
         <p:nvPicPr>
           <p:cNvPr id="3" name="内容占位符 2"/>
@@ -9390,6 +9186,238 @@
 </p:sld>
 </file>
 
+<file path=ppt/slides/slide18.xml><?xml version="1.0" encoding="utf-8"?>
+<p:sld xmlns:a="http://schemas.openxmlformats.org/drawingml/2006/main" xmlns:r="http://schemas.openxmlformats.org/officeDocument/2006/relationships" xmlns:p="http://schemas.openxmlformats.org/presentationml/2006/main">
+  <p:cSld>
+    <p:spTree>
+      <p:nvGrpSpPr>
+        <p:cNvPr id="1" name=""/>
+        <p:cNvGrpSpPr/>
+        <p:nvPr/>
+      </p:nvGrpSpPr>
+      <p:grpSpPr>
+        <a:xfrm>
+          <a:off x="0" y="0"/>
+          <a:ext cx="0" cy="0"/>
+          <a:chOff x="0" y="0"/>
+          <a:chExt cx="0" cy="0"/>
+        </a:xfrm>
+      </p:grpSpPr>
+      <p:sp>
+        <p:nvSpPr>
+          <p:cNvPr id="2" name="标题 1"/>
+          <p:cNvSpPr>
+            <a:spLocks noGrp="1"/>
+          </p:cNvSpPr>
+          <p:nvPr>
+            <p:ph type="title"/>
+          </p:nvPr>
+        </p:nvSpPr>
+        <p:spPr/>
+        <p:txBody>
+          <a:bodyPr>
+            <a:normAutofit/>
+          </a:bodyPr>
+          <a:lstStyle/>
+          <a:p>
+            <a:pPr algn="l"/>
+            <a:r>
+              <a:rPr lang="en-US" altLang="zh-CN" sz="3600" dirty="0"/>
+              <a:t>Kissy</a:t>
+            </a:r>
+            <a:r>
+              <a:rPr lang="zh-CN" altLang="en-US" sz="3600" dirty="0"/>
+              <a:t>中的</a:t>
+            </a:r>
+            <a:r>
+              <a:rPr lang="zh-CN" altLang="en-US" sz="3600" dirty="0" smtClean="0"/>
+              <a:t>模块化</a:t>
+            </a:r>
+            <a:endParaRPr lang="zh-CN" altLang="en-US" sz="3600" dirty="0"/>
+          </a:p>
+        </p:txBody>
+      </p:sp>
+      <p:sp>
+        <p:nvSpPr>
+          <p:cNvPr id="4" name="标题 1"/>
+          <p:cNvSpPr txBox="1">
+            <a:spLocks/>
+          </p:cNvSpPr>
+          <p:nvPr/>
+        </p:nvSpPr>
+        <p:spPr>
+          <a:xfrm>
+            <a:off x="6156176" y="0"/>
+            <a:ext cx="2987824" cy="1143000"/>
+          </a:xfrm>
+          <a:prstGeom prst="rect">
+            <a:avLst/>
+          </a:prstGeom>
+        </p:spPr>
+        <p:txBody>
+          <a:bodyPr vert="horz" lIns="91440" tIns="45720" rIns="91440" bIns="45720" rtlCol="0" anchor="ctr">
+            <a:normAutofit/>
+          </a:bodyPr>
+          <a:lstStyle/>
+          <a:p>
+            <a:pPr marL="0" marR="0" lvl="0" indent="0" algn="l" defTabSz="914400" rtl="0" eaLnBrk="1" fontAlgn="auto" latinLnBrk="0" hangingPunct="1">
+              <a:lnSpc>
+                <a:spcPct val="100000"/>
+              </a:lnSpc>
+              <a:spcBef>
+                <a:spcPct val="0"/>
+              </a:spcBef>
+              <a:spcAft>
+                <a:spcPts val="0"/>
+              </a:spcAft>
+              <a:buClrTx/>
+              <a:buSzTx/>
+              <a:buFontTx/>
+              <a:buNone/>
+              <a:tabLst/>
+              <a:defRPr/>
+            </a:pPr>
+            <a:r>
+              <a:rPr kumimoji="0" lang="zh-CN" altLang="en-US" sz="4400" b="0" i="0" u="none" strike="noStrike" kern="1200" cap="none" spc="0" normalizeH="0" baseline="0" noProof="0" dirty="0" smtClean="0">
+                <a:ln>
+                  <a:noFill/>
+                </a:ln>
+                <a:solidFill>
+                  <a:schemeClr val="tx1">
+                    <a:lumMod val="75000"/>
+                  </a:schemeClr>
+                </a:solidFill>
+                <a:effectLst/>
+                <a:uLnTx/>
+                <a:uFillTx/>
+                <a:latin typeface="微软雅黑" pitchFamily="34" charset="-122"/>
+                <a:ea typeface="微软雅黑" pitchFamily="34" charset="-122"/>
+                <a:cs typeface="+mj-cs"/>
+              </a:rPr>
+              <a:t>模块化机制</a:t>
+            </a:r>
+            <a:endParaRPr kumimoji="0" lang="zh-CN" altLang="en-US" sz="4400" b="0" i="0" u="none" strike="noStrike" kern="1200" cap="none" spc="0" normalizeH="0" baseline="0" noProof="0" dirty="0">
+              <a:ln>
+                <a:noFill/>
+              </a:ln>
+              <a:solidFill>
+                <a:schemeClr val="tx1">
+                  <a:lumMod val="75000"/>
+                </a:schemeClr>
+              </a:solidFill>
+              <a:effectLst/>
+              <a:uLnTx/>
+              <a:uFillTx/>
+              <a:latin typeface="微软雅黑" pitchFamily="34" charset="-122"/>
+              <a:ea typeface="微软雅黑" pitchFamily="34" charset="-122"/>
+              <a:cs typeface="+mj-cs"/>
+            </a:endParaRPr>
+          </a:p>
+        </p:txBody>
+      </p:sp>
+      <p:sp>
+        <p:nvSpPr>
+          <p:cNvPr id="5" name="内容占位符 4"/>
+          <p:cNvSpPr>
+            <a:spLocks noGrp="1"/>
+          </p:cNvSpPr>
+          <p:nvPr>
+            <p:ph idx="1"/>
+          </p:nvPr>
+        </p:nvSpPr>
+        <p:spPr>
+          <a:xfrm>
+            <a:off x="457200" y="1600200"/>
+            <a:ext cx="8075240" cy="4525963"/>
+          </a:xfrm>
+        </p:spPr>
+        <p:txBody>
+          <a:bodyPr>
+            <a:normAutofit/>
+          </a:bodyPr>
+          <a:lstStyle/>
+          <a:p>
+            <a:r>
+              <a:rPr lang="zh-CN" altLang="en-US" dirty="0" smtClean="0"/>
+              <a:t>命名空间</a:t>
+            </a:r>
+          </a:p>
+          <a:p>
+            <a:pPr lvl="1"/>
+            <a:r>
+              <a:rPr lang="zh-CN" altLang="en-US" dirty="0" smtClean="0"/>
+              <a:t>根据</a:t>
+            </a:r>
+            <a:r>
+              <a:rPr lang="zh-CN" altLang="en-US" dirty="0"/>
+              <a:t>文件系统确定模块名字</a:t>
+            </a:r>
+          </a:p>
+          <a:p>
+            <a:pPr lvl="1"/>
+            <a:r>
+              <a:rPr lang="en-US" altLang="zh-CN" dirty="0"/>
+              <a:t>event / base.js :</a:t>
+            </a:r>
+          </a:p>
+          <a:p>
+            <a:pPr marL="457200" lvl="1" indent="0">
+              <a:buNone/>
+            </a:pPr>
+            <a:r>
+              <a:rPr lang="en-US" altLang="zh-CN" dirty="0" smtClean="0"/>
+              <a:t>	</a:t>
+            </a:r>
+            <a:r>
+              <a:rPr lang="en-US" altLang="zh-CN" dirty="0" err="1" smtClean="0"/>
+              <a:t>KISSY.add</a:t>
+            </a:r>
+            <a:r>
+              <a:rPr lang="en-US" altLang="zh-CN" dirty="0" smtClean="0"/>
+              <a:t>(function</a:t>
+            </a:r>
+            <a:r>
+              <a:rPr lang="en-US" altLang="zh-CN" dirty="0"/>
+              <a:t>(){});</a:t>
+            </a:r>
+          </a:p>
+          <a:p>
+            <a:pPr marL="457200" lvl="1" indent="0">
+              <a:buNone/>
+            </a:pPr>
+            <a:r>
+              <a:rPr lang="en-US" altLang="zh-CN" dirty="0"/>
+              <a:t>	</a:t>
+            </a:r>
+            <a:r>
+              <a:rPr lang="zh-CN" altLang="en-US" dirty="0" smtClean="0"/>
+              <a:t>就</a:t>
+            </a:r>
+            <a:r>
+              <a:rPr lang="zh-CN" altLang="en-US" dirty="0"/>
+              <a:t>表示模块</a:t>
+            </a:r>
+            <a:r>
+              <a:rPr lang="en-US" altLang="zh-CN" dirty="0"/>
+              <a:t>event/base</a:t>
+            </a:r>
+            <a:endParaRPr lang="zh-CN" altLang="en-US" dirty="0"/>
+          </a:p>
+        </p:txBody>
+      </p:sp>
+    </p:spTree>
+    <p:extLst>
+      <p:ext uri="{BB962C8B-B14F-4D97-AF65-F5344CB8AC3E}">
+        <p14:creationId xmlns="" xmlns:p14="http://schemas.microsoft.com/office/powerpoint/2010/main" val="2272969805"/>
+      </p:ext>
+    </p:extLst>
+  </p:cSld>
+  <p:clrMapOvr>
+    <a:masterClrMapping/>
+  </p:clrMapOvr>
+</p:sld>
+</file>
+
 <file path=ppt/slides/slide19.xml><?xml version="1.0" encoding="utf-8"?>
 <p:sld xmlns:a="http://schemas.openxmlformats.org/drawingml/2006/main" xmlns:r="http://schemas.openxmlformats.org/officeDocument/2006/relationships" xmlns:p="http://schemas.openxmlformats.org/presentationml/2006/main">
   <p:cSld>
@@ -9537,27 +9565,20 @@
         </p:spPr>
         <p:txBody>
           <a:bodyPr>
-            <a:normAutofit/>
+            <a:normAutofit lnSpcReduction="10000"/>
           </a:bodyPr>
           <a:lstStyle/>
           <a:p>
             <a:r>
               <a:rPr lang="zh-CN" altLang="en-US" dirty="0"/>
-              <a:t>去除模块名</a:t>
+              <a:t>包配置</a:t>
             </a:r>
           </a:p>
           <a:p>
             <a:pPr lvl="1"/>
             <a:r>
               <a:rPr lang="zh-CN" altLang="en-US" dirty="0"/>
-              <a:t>根据文件系统确定模块名字</a:t>
-            </a:r>
-          </a:p>
-          <a:p>
-            <a:pPr lvl="1"/>
-            <a:r>
-              <a:rPr lang="en-US" altLang="zh-CN" dirty="0"/>
-              <a:t>event / base.js :</a:t>
+              <a:t>包与路径约定，批量注册模块集合</a:t>
             </a:r>
           </a:p>
           <a:p>
@@ -9570,15 +9591,24 @@
             </a:r>
             <a:r>
               <a:rPr lang="en-US" altLang="zh-CN" dirty="0" err="1" smtClean="0"/>
-              <a:t>KISSY.add</a:t>
-            </a:r>
+              <a:t>S.config</a:t>
+            </a:r>
+            <a:r>
+              <a:rPr lang="en-US" altLang="zh-CN" dirty="0"/>
+              <a:t>({</a:t>
+            </a:r>
+          </a:p>
+          <a:p>
+            <a:pPr marL="457200" lvl="1" indent="0">
+              <a:buNone/>
+            </a:pPr>
             <a:r>
               <a:rPr lang="en-US" altLang="zh-CN" dirty="0" smtClean="0"/>
-              <a:t>(function</a:t>
+              <a:t>	    </a:t>
             </a:r>
             <a:r>
               <a:rPr lang="en-US" altLang="zh-CN" dirty="0"/>
-              <a:t>(){});</a:t>
+              <a:t>packages:[{</a:t>
             </a:r>
           </a:p>
           <a:p>
@@ -9586,20 +9616,65 @@
               <a:buNone/>
             </a:pPr>
             <a:r>
+              <a:rPr lang="en-US" altLang="zh-CN" dirty="0" smtClean="0"/>
+              <a:t>	        </a:t>
+            </a:r>
+            <a:r>
               <a:rPr lang="en-US" altLang="zh-CN" dirty="0"/>
+              <a:t>name: "m1",</a:t>
+            </a:r>
+          </a:p>
+          <a:p>
+            <a:pPr marL="457200" lvl="1" indent="0">
+              <a:buNone/>
+            </a:pPr>
+            <a:r>
+              <a:rPr lang="en-US" altLang="zh-CN" dirty="0" smtClean="0"/>
+              <a:t>	        </a:t>
+            </a:r>
+            <a:r>
+              <a:rPr lang="en-US" altLang="zh-CN" dirty="0"/>
+              <a:t>path: "http://xx.com/"</a:t>
+            </a:r>
+          </a:p>
+          <a:p>
+            <a:pPr marL="457200" lvl="1" indent="0">
+              <a:buNone/>
+            </a:pPr>
+            <a:r>
+              <a:rPr lang="en-US" altLang="zh-CN" dirty="0" smtClean="0"/>
+              <a:t>	    </a:t>
+            </a:r>
+            <a:r>
+              <a:rPr lang="en-US" altLang="zh-CN" dirty="0"/>
+              <a:t>}]</a:t>
+            </a:r>
+          </a:p>
+          <a:p>
+            <a:pPr marL="457200" lvl="1" indent="0">
+              <a:buNone/>
+            </a:pPr>
+            <a:r>
+              <a:rPr lang="en-US" altLang="zh-CN" dirty="0" smtClean="0"/>
+              <a:t>	});</a:t>
+            </a:r>
+            <a:endParaRPr lang="en-US" altLang="zh-CN" dirty="0"/>
+          </a:p>
+          <a:p>
+            <a:pPr marL="457200" lvl="1" indent="0">
+              <a:buNone/>
+            </a:pPr>
+            <a:r>
+              <a:rPr lang="en-US" altLang="zh-CN" dirty="0" smtClean="0"/>
               <a:t>	</a:t>
             </a:r>
             <a:r>
-              <a:rPr lang="zh-CN" altLang="en-US" dirty="0" smtClean="0"/>
-              <a:t>就</a:t>
-            </a:r>
-            <a:r>
-              <a:rPr lang="zh-CN" altLang="en-US" dirty="0"/>
-              <a:t>表示模块</a:t>
+              <a:rPr lang="en-US" altLang="zh-CN" dirty="0" err="1" smtClean="0"/>
+              <a:t>S.use</a:t>
             </a:r>
             <a:r>
               <a:rPr lang="en-US" altLang="zh-CN" dirty="0"/>
-              <a:t>event/base</a:t>
+              <a:t>("m1/base")-&gt;http://xx.com/m1/base.js</a:t>
             </a:r>
             <a:endParaRPr lang="zh-CN" altLang="en-US" dirty="0"/>
           </a:p>
@@ -9608,7 +9683,7 @@
     </p:spTree>
     <p:extLst>
       <p:ext uri="{BB962C8B-B14F-4D97-AF65-F5344CB8AC3E}">
-        <p14:creationId xmlns="" xmlns:p14="http://schemas.microsoft.com/office/powerpoint/2010/main" val="2272969805"/>
+        <p14:creationId xmlns="" xmlns:p14="http://schemas.microsoft.com/office/powerpoint/2010/main" val="3719362025"/>
       </p:ext>
     </p:extLst>
   </p:cSld>
@@ -9877,20 +9952,20 @@
         </p:spPr>
         <p:txBody>
           <a:bodyPr>
-            <a:normAutofit lnSpcReduction="10000"/>
+            <a:normAutofit fontScale="92500" lnSpcReduction="20000"/>
           </a:bodyPr>
           <a:lstStyle/>
           <a:p>
             <a:r>
               <a:rPr lang="zh-CN" altLang="en-US" dirty="0"/>
-              <a:t>包配置</a:t>
+              <a:t>依赖注入</a:t>
             </a:r>
           </a:p>
           <a:p>
             <a:pPr lvl="1"/>
             <a:r>
               <a:rPr lang="zh-CN" altLang="en-US" dirty="0"/>
-              <a:t>包与路径约定，批量注册模块集合</a:t>
+              <a:t>定义模块</a:t>
             </a:r>
           </a:p>
           <a:p>
@@ -9903,11 +9978,19 @@
             </a:r>
             <a:r>
               <a:rPr lang="en-US" altLang="zh-CN" dirty="0" err="1" smtClean="0"/>
-              <a:t>S.config</a:t>
+              <a:t>KISSY.add</a:t>
             </a:r>
             <a:r>
               <a:rPr lang="en-US" altLang="zh-CN" dirty="0"/>
-              <a:t>({</a:t>
+              <a:t>("</a:t>
+            </a:r>
+            <a:r>
+              <a:rPr lang="en-US" altLang="zh-CN" dirty="0" err="1"/>
+              <a:t>xx",function</a:t>
+            </a:r>
+            <a:r>
+              <a:rPr lang="en-US" altLang="zh-CN" dirty="0"/>
+              <a:t>(S,DOM){</a:t>
             </a:r>
           </a:p>
           <a:p>
@@ -9920,7 +10003,7 @@
             </a:r>
             <a:r>
               <a:rPr lang="en-US" altLang="zh-CN" dirty="0"/>
-              <a:t>packages:[{</a:t>
+              <a:t>//Your code</a:t>
             </a:r>
           </a:p>
           <a:p>
@@ -9929,25 +10012,9 @@
             </a:pPr>
             <a:r>
               <a:rPr lang="en-US" altLang="zh-CN" dirty="0" smtClean="0"/>
-              <a:t>	        </a:t>
-            </a:r>
-            <a:r>
-              <a:rPr lang="en-US" altLang="zh-CN" dirty="0"/>
-              <a:t>name: "m1",</a:t>
-            </a:r>
-          </a:p>
-          <a:p>
-            <a:pPr marL="457200" lvl="1" indent="0">
-              <a:buNone/>
-            </a:pPr>
-            <a:r>
-              <a:rPr lang="en-US" altLang="zh-CN" dirty="0" smtClean="0"/>
-              <a:t>	        </a:t>
-            </a:r>
-            <a:r>
-              <a:rPr lang="en-US" altLang="zh-CN" dirty="0"/>
-              <a:t>path: "http://xx.com/"</a:t>
-            </a:r>
+              <a:t>	},{</a:t>
+            </a:r>
+            <a:endParaRPr lang="en-US" altLang="zh-CN" dirty="0"/>
           </a:p>
           <a:p>
             <a:pPr marL="457200" lvl="1" indent="0">
@@ -9959,7 +10026,15 @@
             </a:r>
             <a:r>
               <a:rPr lang="en-US" altLang="zh-CN" dirty="0"/>
-              <a:t>}]</a:t>
+              <a:t>requires:["</a:t>
+            </a:r>
+            <a:r>
+              <a:rPr lang="en-US" altLang="zh-CN" dirty="0" err="1"/>
+              <a:t>dom</a:t>
+            </a:r>
+            <a:r>
+              <a:rPr lang="en-US" altLang="zh-CN" dirty="0"/>
+              <a:t>"]</a:t>
             </a:r>
           </a:p>
           <a:p>
@@ -9970,7 +10045,13 @@
               <a:rPr lang="en-US" altLang="zh-CN" dirty="0" smtClean="0"/>
               <a:t>	});</a:t>
             </a:r>
-            <a:endParaRPr lang="en-US" altLang="zh-CN" dirty="0"/>
+          </a:p>
+          <a:p>
+            <a:pPr lvl="1"/>
+            <a:r>
+              <a:rPr lang="zh-CN" altLang="en-US" dirty="0" smtClean="0"/>
+              <a:t>使用模块</a:t>
+            </a:r>
           </a:p>
           <a:p>
             <a:pPr marL="457200" lvl="1" indent="0">
@@ -9986,16 +10067,51 @@
             </a:r>
             <a:r>
               <a:rPr lang="en-US" altLang="zh-CN" dirty="0"/>
-              <a:t>("m1/base")-&gt;http://xx.com/m1/base.js</a:t>
-            </a:r>
-            <a:endParaRPr lang="zh-CN" altLang="en-US" dirty="0"/>
+              <a:t>("</a:t>
+            </a:r>
+            <a:r>
+              <a:rPr lang="en-US" altLang="zh-CN" dirty="0" err="1"/>
+              <a:t>dom</a:t>
+            </a:r>
+            <a:r>
+              <a:rPr lang="en-US" altLang="zh-CN" dirty="0"/>
+              <a:t>",function(S,DOM){</a:t>
+            </a:r>
+          </a:p>
+          <a:p>
+            <a:pPr marL="457200" lvl="1" indent="0">
+              <a:buNone/>
+            </a:pPr>
+            <a:r>
+              <a:rPr lang="en-US" altLang="zh-CN" dirty="0" smtClean="0"/>
+              <a:t>	    </a:t>
+            </a:r>
+            <a:r>
+              <a:rPr lang="en-US" altLang="zh-CN" dirty="0"/>
+              <a:t>//</a:t>
+            </a:r>
+            <a:r>
+              <a:rPr lang="en-US" altLang="zh-CN" dirty="0" err="1"/>
+              <a:t>useDOM</a:t>
+            </a:r>
+            <a:endParaRPr lang="en-US" altLang="zh-CN" dirty="0"/>
+          </a:p>
+          <a:p>
+            <a:pPr marL="457200" lvl="1" indent="0">
+              <a:buNone/>
+            </a:pPr>
+            <a:r>
+              <a:rPr lang="en-US" altLang="zh-CN" dirty="0" smtClean="0"/>
+              <a:t>	});</a:t>
+            </a:r>
+            <a:endParaRPr lang="en-US" altLang="zh-CN" dirty="0"/>
           </a:p>
         </p:txBody>
       </p:sp>
     </p:spTree>
     <p:extLst>
       <p:ext uri="{BB962C8B-B14F-4D97-AF65-F5344CB8AC3E}">
-        <p14:creationId xmlns="" xmlns:p14="http://schemas.microsoft.com/office/powerpoint/2010/main" val="3719362025"/>
+        <p14:creationId xmlns="" xmlns:p14="http://schemas.microsoft.com/office/powerpoint/2010/main" val="3537854853"/>
       </p:ext>
     </p:extLst>
   </p:cSld>
@@ -10041,16 +10157,28 @@
           <a:p>
             <a:pPr algn="l"/>
             <a:r>
-              <a:rPr lang="en-US" altLang="zh-CN" sz="3600" dirty="0"/>
-              <a:t>Kissy</a:t>
-            </a:r>
-            <a:r>
-              <a:rPr lang="zh-CN" altLang="en-US" sz="3600" dirty="0"/>
-              <a:t>中的</a:t>
-            </a:r>
-            <a:r>
-              <a:rPr lang="zh-CN" altLang="en-US" sz="3600" dirty="0" smtClean="0"/>
-              <a:t>模块化</a:t>
+              <a:rPr lang="zh-CN" altLang="en-US" sz="3600" dirty="0">
+                <a:hlinkClick r:id="rId2"/>
+              </a:rPr>
+              <a:t>表单</a:t>
+            </a:r>
+            <a:r>
+              <a:rPr lang="en-US" altLang="zh-CN" sz="3600" dirty="0">
+                <a:hlinkClick r:id="rId2"/>
+              </a:rPr>
+              <a:t>label</a:t>
+            </a:r>
+            <a:r>
+              <a:rPr lang="zh-CN" altLang="en-US" sz="3600" dirty="0">
+                <a:hlinkClick r:id="rId2"/>
+              </a:rPr>
+              <a:t>浮动功能</a:t>
+            </a:r>
+            <a:r>
+              <a:rPr lang="zh-CN" altLang="en-US" sz="3600" dirty="0" smtClean="0">
+                <a:hlinkClick r:id="rId2"/>
+              </a:rPr>
+              <a:t>组件</a:t>
             </a:r>
             <a:endParaRPr lang="zh-CN" altLang="en-US" sz="3600" dirty="0"/>
           </a:p>
@@ -10066,8 +10194,8 @@
         </p:nvSpPr>
         <p:spPr>
           <a:xfrm>
-            <a:off x="6156176" y="0"/>
-            <a:ext cx="2987824" cy="1143000"/>
+            <a:off x="5796136" y="0"/>
+            <a:ext cx="3347864" cy="1143000"/>
           </a:xfrm>
           <a:prstGeom prst="rect">
             <a:avLst/>
@@ -10075,7 +10203,7 @@
         </p:spPr>
         <p:txBody>
           <a:bodyPr vert="horz" lIns="91440" tIns="45720" rIns="91440" bIns="45720" rtlCol="0" anchor="ctr">
-            <a:normAutofit/>
+            <a:normAutofit fontScale="92500"/>
           </a:bodyPr>
           <a:lstStyle/>
           <a:p>
@@ -10113,7 +10241,7 @@
                 <a:ea typeface="微软雅黑" pitchFamily="34" charset="-122"/>
                 <a:cs typeface="+mj-cs"/>
               </a:rPr>
-              <a:t>模块化机制</a:t>
+              <a:t>现有组件分析</a:t>
             </a:r>
             <a:endParaRPr kumimoji="0" lang="zh-CN" altLang="en-US" sz="4400" b="0" i="0" u="none" strike="noStrike" kern="1200" cap="none" spc="0" normalizeH="0" baseline="0" noProof="0" dirty="0">
               <a:ln>
@@ -10152,21 +10280,15 @@
         </p:spPr>
         <p:txBody>
           <a:bodyPr>
-            <a:normAutofit fontScale="92500" lnSpcReduction="20000"/>
+            <a:normAutofit/>
           </a:bodyPr>
           <a:lstStyle/>
           <a:p>
             <a:r>
-              <a:rPr lang="zh-CN" altLang="en-US" dirty="0"/>
-              <a:t>依赖注入</a:t>
-            </a:r>
-          </a:p>
-          <a:p>
-            <a:pPr lvl="1"/>
-            <a:r>
-              <a:rPr lang="zh-CN" altLang="en-US" dirty="0"/>
-              <a:t>定义模块</a:t>
-            </a:r>
+              <a:rPr lang="zh-CN" altLang="en-US" dirty="0" smtClean="0"/>
+              <a:t>构造器接口</a:t>
+            </a:r>
+            <a:endParaRPr lang="en-US" altLang="zh-CN" dirty="0"/>
           </a:p>
           <a:p>
             <a:pPr marL="457200" lvl="1" indent="0">
@@ -10174,135 +10296,42 @@
             </a:pPr>
             <a:r>
               <a:rPr lang="en-US" altLang="zh-CN" dirty="0" smtClean="0"/>
-              <a:t>	</a:t>
-            </a:r>
-            <a:r>
-              <a:rPr lang="en-US" altLang="zh-CN" dirty="0" err="1" smtClean="0"/>
-              <a:t>KISSY.add</a:t>
+              <a:t>function </a:t>
+            </a:r>
+            <a:r>
+              <a:rPr lang="en-US" altLang="zh-CN" dirty="0" err="1"/>
+              <a:t>SlidingLabels</a:t>
             </a:r>
             <a:r>
               <a:rPr lang="en-US" altLang="zh-CN" dirty="0"/>
-              <a:t>("</a:t>
+              <a:t>(container, </a:t>
             </a:r>
             <a:r>
               <a:rPr lang="en-US" altLang="zh-CN" dirty="0" err="1"/>
-              <a:t>xx",function</a:t>
+              <a:t>config</a:t>
             </a:r>
             <a:r>
               <a:rPr lang="en-US" altLang="zh-CN" dirty="0"/>
-              <a:t>(S,DOM){</a:t>
+              <a:t>) </a:t>
+            </a:r>
+            <a:r>
+              <a:rPr lang="en-US" altLang="zh-CN" dirty="0" smtClean="0"/>
+              <a:t>{</a:t>
             </a:r>
           </a:p>
           <a:p>
             <a:pPr marL="457200" lvl="1" indent="0">
               <a:buNone/>
             </a:pPr>
+            <a:endParaRPr lang="en-US" altLang="zh-CN" dirty="0"/>
+          </a:p>
+          <a:p>
+            <a:pPr marL="457200" lvl="1" indent="0">
+              <a:buNone/>
+            </a:pPr>
             <a:r>
               <a:rPr lang="en-US" altLang="zh-CN" dirty="0" smtClean="0"/>
-              <a:t>	    </a:t>
-            </a:r>
-            <a:r>
-              <a:rPr lang="en-US" altLang="zh-CN" dirty="0"/>
-              <a:t>//Your code</a:t>
-            </a:r>
-          </a:p>
-          <a:p>
-            <a:pPr marL="457200" lvl="1" indent="0">
-              <a:buNone/>
-            </a:pPr>
-            <a:r>
-              <a:rPr lang="en-US" altLang="zh-CN" dirty="0" smtClean="0"/>
-              <a:t>	},{</a:t>
-            </a:r>
-            <a:endParaRPr lang="en-US" altLang="zh-CN" dirty="0"/>
-          </a:p>
-          <a:p>
-            <a:pPr marL="457200" lvl="1" indent="0">
-              <a:buNone/>
-            </a:pPr>
-            <a:r>
-              <a:rPr lang="en-US" altLang="zh-CN" dirty="0" smtClean="0"/>
-              <a:t>	    </a:t>
-            </a:r>
-            <a:r>
-              <a:rPr lang="en-US" altLang="zh-CN" dirty="0"/>
-              <a:t>requires:["</a:t>
-            </a:r>
-            <a:r>
-              <a:rPr lang="en-US" altLang="zh-CN" dirty="0" err="1"/>
-              <a:t>dom</a:t>
-            </a:r>
-            <a:r>
-              <a:rPr lang="en-US" altLang="zh-CN" dirty="0"/>
-              <a:t>"]</a:t>
-            </a:r>
-          </a:p>
-          <a:p>
-            <a:pPr marL="457200" lvl="1" indent="0">
-              <a:buNone/>
-            </a:pPr>
-            <a:r>
-              <a:rPr lang="en-US" altLang="zh-CN" dirty="0" smtClean="0"/>
-              <a:t>	});</a:t>
-            </a:r>
-          </a:p>
-          <a:p>
-            <a:pPr lvl="1"/>
-            <a:r>
-              <a:rPr lang="zh-CN" altLang="en-US" dirty="0" smtClean="0"/>
-              <a:t>使用模块</a:t>
-            </a:r>
-          </a:p>
-          <a:p>
-            <a:pPr marL="457200" lvl="1" indent="0">
-              <a:buNone/>
-            </a:pPr>
-            <a:r>
-              <a:rPr lang="en-US" altLang="zh-CN" dirty="0" smtClean="0"/>
-              <a:t>	</a:t>
-            </a:r>
-            <a:r>
-              <a:rPr lang="en-US" altLang="zh-CN" dirty="0" err="1" smtClean="0"/>
-              <a:t>S.use</a:t>
-            </a:r>
-            <a:r>
-              <a:rPr lang="en-US" altLang="zh-CN" dirty="0"/>
-              <a:t>("</a:t>
-            </a:r>
-            <a:r>
-              <a:rPr lang="en-US" altLang="zh-CN" dirty="0" err="1"/>
-              <a:t>dom</a:t>
-            </a:r>
-            <a:r>
-              <a:rPr lang="en-US" altLang="zh-CN" dirty="0"/>
-              <a:t>",function(S,DOM){</a:t>
-            </a:r>
-          </a:p>
-          <a:p>
-            <a:pPr marL="457200" lvl="1" indent="0">
-              <a:buNone/>
-            </a:pPr>
-            <a:r>
-              <a:rPr lang="en-US" altLang="zh-CN" dirty="0" smtClean="0"/>
-              <a:t>	    </a:t>
-            </a:r>
-            <a:r>
-              <a:rPr lang="en-US" altLang="zh-CN" dirty="0"/>
-              <a:t>//</a:t>
-            </a:r>
-            <a:r>
-              <a:rPr lang="en-US" altLang="zh-CN" dirty="0" err="1"/>
-              <a:t>useDOM</a:t>
-            </a:r>
-            <a:endParaRPr lang="en-US" altLang="zh-CN" dirty="0"/>
-          </a:p>
-          <a:p>
-            <a:pPr marL="457200" lvl="1" indent="0">
-              <a:buNone/>
-            </a:pPr>
-            <a:r>
-              <a:rPr lang="en-US" altLang="zh-CN" dirty="0" smtClean="0"/>
-              <a:t>	});</a:t>
+              <a:t>});</a:t>
             </a:r>
             <a:endParaRPr lang="en-US" altLang="zh-CN" dirty="0"/>
           </a:p>
@@ -10311,13 +10340,20 @@
     </p:spTree>
     <p:extLst>
       <p:ext uri="{BB962C8B-B14F-4D97-AF65-F5344CB8AC3E}">
-        <p14:creationId xmlns="" xmlns:p14="http://schemas.microsoft.com/office/powerpoint/2010/main" val="3537854853"/>
+        <p14:creationId xmlns="" xmlns:p14="http://schemas.microsoft.com/office/powerpoint/2010/main" val="3791668808"/>
       </p:ext>
     </p:extLst>
   </p:cSld>
   <p:clrMapOvr>
     <a:masterClrMapping/>
   </p:clrMapOvr>
+  <p:timing>
+    <p:tnLst>
+      <p:par>
+        <p:cTn id="1" dur="indefinite" restart="never" nodeType="tmRoot"/>
+      </p:par>
+    </p:tnLst>
+  </p:timing>
 </p:sld>
 </file>
 
@@ -10480,67 +10516,227 @@
         </p:spPr>
         <p:txBody>
           <a:bodyPr>
-            <a:normAutofit/>
+            <a:normAutofit fontScale="92500" lnSpcReduction="20000"/>
           </a:bodyPr>
           <a:lstStyle/>
           <a:p>
             <a:r>
+              <a:rPr lang="zh-CN" altLang="en-US" dirty="0"/>
+              <a:t>配置</a:t>
+            </a:r>
+            <a:r>
               <a:rPr lang="zh-CN" altLang="en-US" dirty="0" smtClean="0"/>
-              <a:t>构造器接口</a:t>
+              <a:t>接口</a:t>
+            </a:r>
+            <a:endParaRPr lang="en-US" altLang="zh-CN" dirty="0" smtClean="0"/>
+          </a:p>
+          <a:p>
+            <a:pPr lvl="1"/>
+            <a:r>
+              <a:rPr lang="en-US" altLang="zh-CN" dirty="0" smtClean="0"/>
+              <a:t>axis </a:t>
+            </a:r>
+            <a:r>
+              <a:rPr lang="en-US" altLang="zh-CN" dirty="0"/>
+              <a:t>// </a:t>
+            </a:r>
+            <a:r>
+              <a:rPr lang="zh-CN" altLang="en-US" dirty="0"/>
+              <a:t>移动方向</a:t>
+            </a:r>
+            <a:r>
+              <a:rPr lang="en-US" altLang="zh-CN" dirty="0"/>
+              <a:t>, </a:t>
+            </a:r>
+            <a:r>
+              <a:rPr lang="zh-CN" altLang="en-US" dirty="0"/>
+              <a:t>水平方向</a:t>
+            </a:r>
+            <a:r>
+              <a:rPr lang="en-US" altLang="zh-CN" dirty="0"/>
+              <a:t>(x) or </a:t>
+            </a:r>
+            <a:r>
+              <a:rPr lang="zh-CN" altLang="en-US" dirty="0"/>
+              <a:t>垂直方向</a:t>
+            </a:r>
+            <a:r>
+              <a:rPr lang="en-US" altLang="zh-CN" dirty="0"/>
+              <a:t>(y)</a:t>
+            </a:r>
+          </a:p>
+          <a:p>
+            <a:pPr lvl="1"/>
+            <a:r>
+              <a:rPr lang="en-US" altLang="zh-CN" dirty="0"/>
+              <a:t>position // </a:t>
+            </a:r>
+            <a:r>
+              <a:rPr lang="en-US" altLang="zh-CN" dirty="0" err="1"/>
+              <a:t>px</a:t>
+            </a:r>
+            <a:r>
+              <a:rPr lang="en-US" altLang="zh-CN" dirty="0"/>
+              <a:t>, </a:t>
+            </a:r>
+            <a:r>
+              <a:rPr lang="zh-CN" altLang="en-US" dirty="0"/>
+              <a:t>水平和垂直方向上</a:t>
+            </a:r>
+            <a:r>
+              <a:rPr lang="en-US" altLang="zh-CN" dirty="0"/>
+              <a:t>, </a:t>
+            </a:r>
+            <a:r>
+              <a:rPr lang="zh-CN" altLang="en-US" dirty="0"/>
+              <a:t>相对于父元素的位置</a:t>
+            </a:r>
+            <a:r>
+              <a:rPr lang="en-US" altLang="zh-CN" dirty="0"/>
+              <a:t>, x or [x, y], </a:t>
+            </a:r>
+            <a:r>
+              <a:rPr lang="zh-CN" altLang="en-US" dirty="0"/>
+              <a:t>不设置时</a:t>
+            </a:r>
+            <a:r>
+              <a:rPr lang="en-US" altLang="zh-CN" dirty="0"/>
+              <a:t>, </a:t>
+            </a:r>
+            <a:r>
+              <a:rPr lang="zh-CN" altLang="en-US" dirty="0"/>
+              <a:t>取 </a:t>
+            </a:r>
+            <a:r>
+              <a:rPr lang="en-US" altLang="zh-CN" dirty="0"/>
+              <a:t>[5, 5]</a:t>
+            </a:r>
+          </a:p>
+          <a:p>
+            <a:pPr lvl="1"/>
+            <a:r>
+              <a:rPr lang="en-US" altLang="zh-CN" dirty="0"/>
+              <a:t>offset // label </a:t>
+            </a:r>
+            <a:r>
+              <a:rPr lang="zh-CN" altLang="en-US" dirty="0"/>
+              <a:t>和 </a:t>
+            </a:r>
+            <a:r>
+              <a:rPr lang="en-US" altLang="zh-CN" dirty="0"/>
+              <a:t>input </a:t>
+            </a:r>
+            <a:r>
+              <a:rPr lang="zh-CN" altLang="en-US" dirty="0"/>
+              <a:t>之间的距离</a:t>
+            </a:r>
+          </a:p>
+          <a:p>
+            <a:pPr lvl="1"/>
+            <a:r>
+              <a:rPr lang="en-US" altLang="zh-CN" dirty="0" err="1"/>
+              <a:t>zIndex</a:t>
+            </a:r>
+            <a:r>
+              <a:rPr lang="en-US" altLang="zh-CN" dirty="0"/>
+              <a:t> // </a:t>
+            </a:r>
+            <a:r>
+              <a:rPr lang="en-US" altLang="zh-CN" dirty="0" err="1"/>
+              <a:t>zIndex</a:t>
             </a:r>
             <a:endParaRPr lang="en-US" altLang="zh-CN" dirty="0"/>
           </a:p>
           <a:p>
-            <a:pPr marL="457200" lvl="1" indent="0">
-              <a:buNone/>
-            </a:pPr>
-            <a:r>
-              <a:rPr lang="en-US" altLang="zh-CN" dirty="0" smtClean="0"/>
-              <a:t>function </a:t>
-            </a:r>
+            <a:pPr lvl="1"/>
+            <a:r>
+              <a:rPr lang="en-US" altLang="zh-CN" dirty="0"/>
+              <a:t>duration // </a:t>
+            </a:r>
+            <a:r>
+              <a:rPr lang="zh-CN" altLang="en-US" dirty="0"/>
+              <a:t>动画速度</a:t>
+            </a:r>
+          </a:p>
+          <a:p>
+            <a:pPr lvl="1"/>
             <a:r>
               <a:rPr lang="en-US" altLang="zh-CN" dirty="0" err="1"/>
-              <a:t>SlidingLabels</a:t>
+              <a:t>focusStyle</a:t>
             </a:r>
             <a:r>
               <a:rPr lang="en-US" altLang="zh-CN" dirty="0"/>
-              <a:t>(container, </a:t>
-            </a:r>
+              <a:t> // </a:t>
+            </a:r>
+            <a:r>
+              <a:rPr lang="zh-CN" altLang="en-US" dirty="0"/>
+              <a:t>输入框获取焦点时</a:t>
+            </a:r>
+            <a:r>
+              <a:rPr lang="en-US" altLang="zh-CN" dirty="0"/>
+              <a:t>, label </a:t>
+            </a:r>
+            <a:r>
+              <a:rPr lang="zh-CN" altLang="en-US" dirty="0"/>
+              <a:t>的样式</a:t>
+            </a:r>
+          </a:p>
+          <a:p>
+            <a:pPr lvl="1"/>
             <a:r>
               <a:rPr lang="en-US" altLang="zh-CN" dirty="0" err="1"/>
-              <a:t>config</a:t>
+              <a:t>blurStyle</a:t>
             </a:r>
             <a:r>
               <a:rPr lang="en-US" altLang="zh-CN" dirty="0"/>
-              <a:t>) </a:t>
-            </a:r>
-            <a:r>
-              <a:rPr lang="en-US" altLang="zh-CN" dirty="0" smtClean="0"/>
-              <a:t>{</a:t>
-            </a:r>
-          </a:p>
-          <a:p>
-            <a:pPr marL="457200" lvl="1" indent="0">
-              <a:buNone/>
-            </a:pPr>
-            <a:endParaRPr lang="en-US" altLang="zh-CN" dirty="0"/>
-          </a:p>
-          <a:p>
-            <a:pPr marL="457200" lvl="1" indent="0">
-              <a:buNone/>
-            </a:pPr>
-            <a:r>
-              <a:rPr lang="en-US" altLang="zh-CN" dirty="0" smtClean="0"/>
-              <a:t>});</a:t>
-            </a:r>
-            <a:endParaRPr lang="en-US" altLang="zh-CN" dirty="0"/>
+              <a:t> // </a:t>
+            </a:r>
+            <a:r>
+              <a:rPr lang="zh-CN" altLang="en-US" dirty="0"/>
+              <a:t>输入框失去焦点时</a:t>
+            </a:r>
+            <a:r>
+              <a:rPr lang="en-US" altLang="zh-CN" dirty="0"/>
+              <a:t>, label </a:t>
+            </a:r>
+            <a:r>
+              <a:rPr lang="zh-CN" altLang="en-US" dirty="0"/>
+              <a:t>的</a:t>
+            </a:r>
+            <a:r>
+              <a:rPr lang="zh-CN" altLang="en-US" dirty="0" smtClean="0"/>
+              <a:t>样式</a:t>
+            </a:r>
+            <a:endParaRPr lang="en-US" altLang="zh-CN" dirty="0" smtClean="0"/>
+          </a:p>
+          <a:p>
+            <a:r>
+              <a:rPr lang="zh-CN" altLang="en-US" dirty="0"/>
+              <a:t>原型</a:t>
+            </a:r>
+            <a:r>
+              <a:rPr lang="zh-CN" altLang="en-US" dirty="0" smtClean="0"/>
+              <a:t>成员</a:t>
+            </a:r>
+            <a:endParaRPr lang="zh-CN" altLang="en-US" dirty="0"/>
+          </a:p>
+          <a:p>
+            <a:pPr lvl="1"/>
+            <a:r>
+              <a:rPr lang="en-US" altLang="zh-CN" dirty="0"/>
+              <a:t>container // </a:t>
+            </a:r>
+            <a:r>
+              <a:rPr lang="zh-CN" altLang="en-US" dirty="0"/>
+              <a:t>容器元素</a:t>
+            </a:r>
           </a:p>
         </p:txBody>
       </p:sp>
     </p:spTree>
     <p:extLst>
       <p:ext uri="{BB962C8B-B14F-4D97-AF65-F5344CB8AC3E}">
-        <p14:creationId xmlns="" xmlns:p14="http://schemas.microsoft.com/office/powerpoint/2010/main" val="3791668808"/>
+        <p14:creationId xmlns="" xmlns:p14="http://schemas.microsoft.com/office/powerpoint/2010/main" val="216159993"/>
       </p:ext>
     </p:extLst>
   </p:cSld>
@@ -10596,402 +10792,6 @@
               <a:rPr lang="zh-CN" altLang="en-US" sz="3600" dirty="0">
                 <a:hlinkClick r:id="rId2"/>
               </a:rPr>
-              <a:t>表单</a:t>
-            </a:r>
-            <a:r>
-              <a:rPr lang="en-US" altLang="zh-CN" sz="3600" dirty="0">
-                <a:hlinkClick r:id="rId2"/>
-              </a:rPr>
-              <a:t>label</a:t>
-            </a:r>
-            <a:r>
-              <a:rPr lang="zh-CN" altLang="en-US" sz="3600" dirty="0">
-                <a:hlinkClick r:id="rId2"/>
-              </a:rPr>
-              <a:t>浮动功能</a:t>
-            </a:r>
-            <a:r>
-              <a:rPr lang="zh-CN" altLang="en-US" sz="3600" dirty="0" smtClean="0">
-                <a:hlinkClick r:id="rId2"/>
-              </a:rPr>
-              <a:t>组件</a:t>
-            </a:r>
-            <a:endParaRPr lang="zh-CN" altLang="en-US" sz="3600" dirty="0"/>
-          </a:p>
-        </p:txBody>
-      </p:sp>
-      <p:sp>
-        <p:nvSpPr>
-          <p:cNvPr id="4" name="标题 1"/>
-          <p:cNvSpPr txBox="1">
-            <a:spLocks/>
-          </p:cNvSpPr>
-          <p:nvPr/>
-        </p:nvSpPr>
-        <p:spPr>
-          <a:xfrm>
-            <a:off x="5796136" y="0"/>
-            <a:ext cx="3347864" cy="1143000"/>
-          </a:xfrm>
-          <a:prstGeom prst="rect">
-            <a:avLst/>
-          </a:prstGeom>
-        </p:spPr>
-        <p:txBody>
-          <a:bodyPr vert="horz" lIns="91440" tIns="45720" rIns="91440" bIns="45720" rtlCol="0" anchor="ctr">
-            <a:normAutofit fontScale="92500"/>
-          </a:bodyPr>
-          <a:lstStyle/>
-          <a:p>
-            <a:pPr marL="0" marR="0" lvl="0" indent="0" algn="l" defTabSz="914400" rtl="0" eaLnBrk="1" fontAlgn="auto" latinLnBrk="0" hangingPunct="1">
-              <a:lnSpc>
-                <a:spcPct val="100000"/>
-              </a:lnSpc>
-              <a:spcBef>
-                <a:spcPct val="0"/>
-              </a:spcBef>
-              <a:spcAft>
-                <a:spcPts val="0"/>
-              </a:spcAft>
-              <a:buClrTx/>
-              <a:buSzTx/>
-              <a:buFontTx/>
-              <a:buNone/>
-              <a:tabLst/>
-              <a:defRPr/>
-            </a:pPr>
-            <a:r>
-              <a:rPr kumimoji="0" lang="zh-CN" altLang="en-US" sz="4400" b="0" i="0" u="none" strike="noStrike" kern="1200" cap="none" spc="0" normalizeH="0" baseline="0" noProof="0" dirty="0" smtClean="0">
-                <a:ln>
-                  <a:noFill/>
-                </a:ln>
-                <a:solidFill>
-                  <a:schemeClr val="tx1">
-                    <a:lumMod val="75000"/>
-                  </a:schemeClr>
-                </a:solidFill>
-                <a:effectLst/>
-                <a:uLnTx/>
-                <a:uFillTx/>
-                <a:latin typeface="微软雅黑" pitchFamily="34" charset="-122"/>
-                <a:ea typeface="微软雅黑" pitchFamily="34" charset="-122"/>
-                <a:cs typeface="+mj-cs"/>
-              </a:rPr>
-              <a:t>现有组件分析</a:t>
-            </a:r>
-            <a:endParaRPr kumimoji="0" lang="zh-CN" altLang="en-US" sz="4400" b="0" i="0" u="none" strike="noStrike" kern="1200" cap="none" spc="0" normalizeH="0" baseline="0" noProof="0" dirty="0">
-              <a:ln>
-                <a:noFill/>
-              </a:ln>
-              <a:solidFill>
-                <a:schemeClr val="tx1">
-                  <a:lumMod val="75000"/>
-                </a:schemeClr>
-              </a:solidFill>
-              <a:effectLst/>
-              <a:uLnTx/>
-              <a:uFillTx/>
-              <a:latin typeface="微软雅黑" pitchFamily="34" charset="-122"/>
-              <a:ea typeface="微软雅黑" pitchFamily="34" charset="-122"/>
-              <a:cs typeface="+mj-cs"/>
-            </a:endParaRPr>
-          </a:p>
-        </p:txBody>
-      </p:sp>
-      <p:sp>
-        <p:nvSpPr>
-          <p:cNvPr id="5" name="内容占位符 4"/>
-          <p:cNvSpPr>
-            <a:spLocks noGrp="1"/>
-          </p:cNvSpPr>
-          <p:nvPr>
-            <p:ph idx="1"/>
-          </p:nvPr>
-        </p:nvSpPr>
-        <p:spPr>
-          <a:xfrm>
-            <a:off x="457200" y="1600200"/>
-            <a:ext cx="8075240" cy="4525963"/>
-          </a:xfrm>
-        </p:spPr>
-        <p:txBody>
-          <a:bodyPr>
-            <a:normAutofit fontScale="92500" lnSpcReduction="20000"/>
-          </a:bodyPr>
-          <a:lstStyle/>
-          <a:p>
-            <a:r>
-              <a:rPr lang="zh-CN" altLang="en-US" dirty="0"/>
-              <a:t>配置</a:t>
-            </a:r>
-            <a:r>
-              <a:rPr lang="zh-CN" altLang="en-US" dirty="0" smtClean="0"/>
-              <a:t>接口</a:t>
-            </a:r>
-            <a:endParaRPr lang="en-US" altLang="zh-CN" dirty="0" smtClean="0"/>
-          </a:p>
-          <a:p>
-            <a:pPr lvl="1"/>
-            <a:r>
-              <a:rPr lang="en-US" altLang="zh-CN" dirty="0" smtClean="0"/>
-              <a:t>axis </a:t>
-            </a:r>
-            <a:r>
-              <a:rPr lang="en-US" altLang="zh-CN" dirty="0"/>
-              <a:t>// </a:t>
-            </a:r>
-            <a:r>
-              <a:rPr lang="zh-CN" altLang="en-US" dirty="0"/>
-              <a:t>移动方向</a:t>
-            </a:r>
-            <a:r>
-              <a:rPr lang="en-US" altLang="zh-CN" dirty="0"/>
-              <a:t>, </a:t>
-            </a:r>
-            <a:r>
-              <a:rPr lang="zh-CN" altLang="en-US" dirty="0"/>
-              <a:t>水平方向</a:t>
-            </a:r>
-            <a:r>
-              <a:rPr lang="en-US" altLang="zh-CN" dirty="0"/>
-              <a:t>(x) or </a:t>
-            </a:r>
-            <a:r>
-              <a:rPr lang="zh-CN" altLang="en-US" dirty="0"/>
-              <a:t>垂直方向</a:t>
-            </a:r>
-            <a:r>
-              <a:rPr lang="en-US" altLang="zh-CN" dirty="0"/>
-              <a:t>(y)</a:t>
-            </a:r>
-          </a:p>
-          <a:p>
-            <a:pPr lvl="1"/>
-            <a:r>
-              <a:rPr lang="en-US" altLang="zh-CN" dirty="0"/>
-              <a:t>position // </a:t>
-            </a:r>
-            <a:r>
-              <a:rPr lang="en-US" altLang="zh-CN" dirty="0" err="1"/>
-              <a:t>px</a:t>
-            </a:r>
-            <a:r>
-              <a:rPr lang="en-US" altLang="zh-CN" dirty="0"/>
-              <a:t>, </a:t>
-            </a:r>
-            <a:r>
-              <a:rPr lang="zh-CN" altLang="en-US" dirty="0"/>
-              <a:t>水平和垂直方向上</a:t>
-            </a:r>
-            <a:r>
-              <a:rPr lang="en-US" altLang="zh-CN" dirty="0"/>
-              <a:t>, </a:t>
-            </a:r>
-            <a:r>
-              <a:rPr lang="zh-CN" altLang="en-US" dirty="0"/>
-              <a:t>相对于父元素的位置</a:t>
-            </a:r>
-            <a:r>
-              <a:rPr lang="en-US" altLang="zh-CN" dirty="0"/>
-              <a:t>, x or [x, y], </a:t>
-            </a:r>
-            <a:r>
-              <a:rPr lang="zh-CN" altLang="en-US" dirty="0"/>
-              <a:t>不设置时</a:t>
-            </a:r>
-            <a:r>
-              <a:rPr lang="en-US" altLang="zh-CN" dirty="0"/>
-              <a:t>, </a:t>
-            </a:r>
-            <a:r>
-              <a:rPr lang="zh-CN" altLang="en-US" dirty="0"/>
-              <a:t>取 </a:t>
-            </a:r>
-            <a:r>
-              <a:rPr lang="en-US" altLang="zh-CN" dirty="0"/>
-              <a:t>[5, 5]</a:t>
-            </a:r>
-          </a:p>
-          <a:p>
-            <a:pPr lvl="1"/>
-            <a:r>
-              <a:rPr lang="en-US" altLang="zh-CN" dirty="0"/>
-              <a:t>offset // label </a:t>
-            </a:r>
-            <a:r>
-              <a:rPr lang="zh-CN" altLang="en-US" dirty="0"/>
-              <a:t>和 </a:t>
-            </a:r>
-            <a:r>
-              <a:rPr lang="en-US" altLang="zh-CN" dirty="0"/>
-              <a:t>input </a:t>
-            </a:r>
-            <a:r>
-              <a:rPr lang="zh-CN" altLang="en-US" dirty="0"/>
-              <a:t>之间的距离</a:t>
-            </a:r>
-          </a:p>
-          <a:p>
-            <a:pPr lvl="1"/>
-            <a:r>
-              <a:rPr lang="en-US" altLang="zh-CN" dirty="0" err="1"/>
-              <a:t>zIndex</a:t>
-            </a:r>
-            <a:r>
-              <a:rPr lang="en-US" altLang="zh-CN" dirty="0"/>
-              <a:t> // </a:t>
-            </a:r>
-            <a:r>
-              <a:rPr lang="en-US" altLang="zh-CN" dirty="0" err="1"/>
-              <a:t>zIndex</a:t>
-            </a:r>
-            <a:endParaRPr lang="en-US" altLang="zh-CN" dirty="0"/>
-          </a:p>
-          <a:p>
-            <a:pPr lvl="1"/>
-            <a:r>
-              <a:rPr lang="en-US" altLang="zh-CN" dirty="0"/>
-              <a:t>duration // </a:t>
-            </a:r>
-            <a:r>
-              <a:rPr lang="zh-CN" altLang="en-US" dirty="0"/>
-              <a:t>动画速度</a:t>
-            </a:r>
-          </a:p>
-          <a:p>
-            <a:pPr lvl="1"/>
-            <a:r>
-              <a:rPr lang="en-US" altLang="zh-CN" dirty="0" err="1"/>
-              <a:t>focusStyle</a:t>
-            </a:r>
-            <a:r>
-              <a:rPr lang="en-US" altLang="zh-CN" dirty="0"/>
-              <a:t> // </a:t>
-            </a:r>
-            <a:r>
-              <a:rPr lang="zh-CN" altLang="en-US" dirty="0"/>
-              <a:t>输入框获取焦点时</a:t>
-            </a:r>
-            <a:r>
-              <a:rPr lang="en-US" altLang="zh-CN" dirty="0"/>
-              <a:t>, label </a:t>
-            </a:r>
-            <a:r>
-              <a:rPr lang="zh-CN" altLang="en-US" dirty="0"/>
-              <a:t>的样式</a:t>
-            </a:r>
-          </a:p>
-          <a:p>
-            <a:pPr lvl="1"/>
-            <a:r>
-              <a:rPr lang="en-US" altLang="zh-CN" dirty="0" err="1"/>
-              <a:t>blurStyle</a:t>
-            </a:r>
-            <a:r>
-              <a:rPr lang="en-US" altLang="zh-CN" dirty="0"/>
-              <a:t> // </a:t>
-            </a:r>
-            <a:r>
-              <a:rPr lang="zh-CN" altLang="en-US" dirty="0"/>
-              <a:t>输入框失去焦点时</a:t>
-            </a:r>
-            <a:r>
-              <a:rPr lang="en-US" altLang="zh-CN" dirty="0"/>
-              <a:t>, label </a:t>
-            </a:r>
-            <a:r>
-              <a:rPr lang="zh-CN" altLang="en-US" dirty="0"/>
-              <a:t>的</a:t>
-            </a:r>
-            <a:r>
-              <a:rPr lang="zh-CN" altLang="en-US" dirty="0" smtClean="0"/>
-              <a:t>样式</a:t>
-            </a:r>
-            <a:endParaRPr lang="en-US" altLang="zh-CN" dirty="0" smtClean="0"/>
-          </a:p>
-          <a:p>
-            <a:r>
-              <a:rPr lang="zh-CN" altLang="en-US" dirty="0"/>
-              <a:t>原型</a:t>
-            </a:r>
-            <a:r>
-              <a:rPr lang="zh-CN" altLang="en-US" dirty="0" smtClean="0"/>
-              <a:t>成员</a:t>
-            </a:r>
-            <a:endParaRPr lang="zh-CN" altLang="en-US" dirty="0"/>
-          </a:p>
-          <a:p>
-            <a:pPr lvl="1"/>
-            <a:r>
-              <a:rPr lang="en-US" altLang="zh-CN" dirty="0"/>
-              <a:t>container // </a:t>
-            </a:r>
-            <a:r>
-              <a:rPr lang="zh-CN" altLang="en-US" dirty="0"/>
-              <a:t>容器元素</a:t>
-            </a:r>
-          </a:p>
-        </p:txBody>
-      </p:sp>
-    </p:spTree>
-    <p:extLst>
-      <p:ext uri="{BB962C8B-B14F-4D97-AF65-F5344CB8AC3E}">
-        <p14:creationId xmlns="" xmlns:p14="http://schemas.microsoft.com/office/powerpoint/2010/main" val="216159993"/>
-      </p:ext>
-    </p:extLst>
-  </p:cSld>
-  <p:clrMapOvr>
-    <a:masterClrMapping/>
-  </p:clrMapOvr>
-  <p:timing>
-    <p:tnLst>
-      <p:par>
-        <p:cTn id="1" dur="indefinite" restart="never" nodeType="tmRoot"/>
-      </p:par>
-    </p:tnLst>
-  </p:timing>
-</p:sld>
-</file>
-
-<file path=ppt/slides/slide24.xml><?xml version="1.0" encoding="utf-8"?>
-<p:sld xmlns:a="http://schemas.openxmlformats.org/drawingml/2006/main" xmlns:r="http://schemas.openxmlformats.org/officeDocument/2006/relationships" xmlns:p="http://schemas.openxmlformats.org/presentationml/2006/main">
-  <p:cSld>
-    <p:spTree>
-      <p:nvGrpSpPr>
-        <p:cNvPr id="1" name=""/>
-        <p:cNvGrpSpPr/>
-        <p:nvPr/>
-      </p:nvGrpSpPr>
-      <p:grpSpPr>
-        <a:xfrm>
-          <a:off x="0" y="0"/>
-          <a:ext cx="0" cy="0"/>
-          <a:chOff x="0" y="0"/>
-          <a:chExt cx="0" cy="0"/>
-        </a:xfrm>
-      </p:grpSpPr>
-      <p:sp>
-        <p:nvSpPr>
-          <p:cNvPr id="2" name="标题 1"/>
-          <p:cNvSpPr>
-            <a:spLocks noGrp="1"/>
-          </p:cNvSpPr>
-          <p:nvPr>
-            <p:ph type="title"/>
-          </p:nvPr>
-        </p:nvSpPr>
-        <p:spPr/>
-        <p:txBody>
-          <a:bodyPr>
-            <a:normAutofit/>
-          </a:bodyPr>
-          <a:lstStyle/>
-          <a:p>
-            <a:pPr algn="l"/>
-            <a:r>
-              <a:rPr lang="zh-CN" altLang="en-US" sz="3600" dirty="0">
-                <a:hlinkClick r:id="rId2"/>
-              </a:rPr>
               <a:t>日历</a:t>
             </a:r>
             <a:r>
@@ -11396,7 +11196,7 @@
 </p:sld>
 </file>
 
-<file path=ppt/slides/slide25.xml><?xml version="1.0" encoding="utf-8"?>
+<file path=ppt/slides/slide24.xml><?xml version="1.0" encoding="utf-8"?>
 <p:sld xmlns:a="http://schemas.openxmlformats.org/drawingml/2006/main" xmlns:r="http://schemas.openxmlformats.org/officeDocument/2006/relationships" xmlns:p="http://schemas.openxmlformats.org/presentationml/2006/main">
   <p:cSld>
     <p:spTree>
@@ -11566,6 +11366,409 @@
 </p:sld>
 </file>
 
+<file path=ppt/slides/slide25.xml><?xml version="1.0" encoding="utf-8"?>
+<p:sld xmlns:a="http://schemas.openxmlformats.org/drawingml/2006/main" xmlns:r="http://schemas.openxmlformats.org/officeDocument/2006/relationships" xmlns:p="http://schemas.openxmlformats.org/presentationml/2006/main">
+  <p:cSld>
+    <p:spTree>
+      <p:nvGrpSpPr>
+        <p:cNvPr id="1" name=""/>
+        <p:cNvGrpSpPr/>
+        <p:nvPr/>
+      </p:nvGrpSpPr>
+      <p:grpSpPr>
+        <a:xfrm>
+          <a:off x="0" y="0"/>
+          <a:ext cx="0" cy="0"/>
+          <a:chOff x="0" y="0"/>
+          <a:chExt cx="0" cy="0"/>
+        </a:xfrm>
+      </p:grpSpPr>
+      <p:sp>
+        <p:nvSpPr>
+          <p:cNvPr id="2" name="标题 1"/>
+          <p:cNvSpPr>
+            <a:spLocks noGrp="1"/>
+          </p:cNvSpPr>
+          <p:nvPr>
+            <p:ph type="title"/>
+          </p:nvPr>
+        </p:nvSpPr>
+        <p:spPr/>
+        <p:txBody>
+          <a:bodyPr>
+            <a:normAutofit/>
+          </a:bodyPr>
+          <a:lstStyle/>
+          <a:p>
+            <a:pPr algn="l"/>
+            <a:r>
+              <a:rPr lang="en-US" altLang="zh-CN" sz="3600" dirty="0" smtClean="0"/>
+              <a:t>API</a:t>
+            </a:r>
+            <a:r>
+              <a:rPr lang="zh-CN" altLang="en-US" sz="3600" dirty="0" smtClean="0"/>
+              <a:t>设计</a:t>
+            </a:r>
+            <a:endParaRPr lang="zh-CN" altLang="en-US" sz="3600" dirty="0"/>
+          </a:p>
+        </p:txBody>
+      </p:sp>
+      <p:sp>
+        <p:nvSpPr>
+          <p:cNvPr id="4" name="标题 1"/>
+          <p:cNvSpPr txBox="1">
+            <a:spLocks/>
+          </p:cNvSpPr>
+          <p:nvPr/>
+        </p:nvSpPr>
+        <p:spPr>
+          <a:xfrm>
+            <a:off x="5796136" y="0"/>
+            <a:ext cx="3347864" cy="1143000"/>
+          </a:xfrm>
+          <a:prstGeom prst="rect">
+            <a:avLst/>
+          </a:prstGeom>
+        </p:spPr>
+        <p:txBody>
+          <a:bodyPr vert="horz" lIns="91440" tIns="45720" rIns="91440" bIns="45720" rtlCol="0" anchor="ctr">
+            <a:normAutofit fontScale="92500"/>
+          </a:bodyPr>
+          <a:lstStyle/>
+          <a:p>
+            <a:pPr marL="0" marR="0" lvl="0" indent="0" algn="l" defTabSz="914400" rtl="0" eaLnBrk="1" fontAlgn="auto" latinLnBrk="0" hangingPunct="1">
+              <a:lnSpc>
+                <a:spcPct val="100000"/>
+              </a:lnSpc>
+              <a:spcBef>
+                <a:spcPct val="0"/>
+              </a:spcBef>
+              <a:spcAft>
+                <a:spcPts val="0"/>
+              </a:spcAft>
+              <a:buClrTx/>
+              <a:buSzTx/>
+              <a:buFontTx/>
+              <a:buNone/>
+              <a:tabLst/>
+              <a:defRPr/>
+            </a:pPr>
+            <a:r>
+              <a:rPr kumimoji="0" lang="zh-CN" altLang="en-US" sz="4400" b="0" i="0" u="none" strike="noStrike" kern="1200" cap="none" spc="0" normalizeH="0" baseline="0" noProof="0" dirty="0" smtClean="0">
+                <a:ln>
+                  <a:noFill/>
+                </a:ln>
+                <a:solidFill>
+                  <a:schemeClr val="tx1">
+                    <a:lumMod val="75000"/>
+                  </a:schemeClr>
+                </a:solidFill>
+                <a:effectLst/>
+                <a:uLnTx/>
+                <a:uFillTx/>
+                <a:latin typeface="微软雅黑" pitchFamily="34" charset="-122"/>
+                <a:ea typeface="微软雅黑" pitchFamily="34" charset="-122"/>
+                <a:cs typeface="+mj-cs"/>
+              </a:rPr>
+              <a:t>组件开发基础</a:t>
+            </a:r>
+            <a:endParaRPr kumimoji="0" lang="zh-CN" altLang="en-US" sz="4400" b="0" i="0" u="none" strike="noStrike" kern="1200" cap="none" spc="0" normalizeH="0" baseline="0" noProof="0" dirty="0">
+              <a:ln>
+                <a:noFill/>
+              </a:ln>
+              <a:solidFill>
+                <a:schemeClr val="tx1">
+                  <a:lumMod val="75000"/>
+                </a:schemeClr>
+              </a:solidFill>
+              <a:effectLst/>
+              <a:uLnTx/>
+              <a:uFillTx/>
+              <a:latin typeface="微软雅黑" pitchFamily="34" charset="-122"/>
+              <a:ea typeface="微软雅黑" pitchFamily="34" charset="-122"/>
+              <a:cs typeface="+mj-cs"/>
+            </a:endParaRPr>
+          </a:p>
+        </p:txBody>
+      </p:sp>
+      <p:sp>
+        <p:nvSpPr>
+          <p:cNvPr id="5" name="内容占位符 4"/>
+          <p:cNvSpPr>
+            <a:spLocks noGrp="1"/>
+          </p:cNvSpPr>
+          <p:nvPr>
+            <p:ph idx="1"/>
+          </p:nvPr>
+        </p:nvSpPr>
+        <p:spPr>
+          <a:xfrm>
+            <a:off x="457200" y="1600200"/>
+            <a:ext cx="8075240" cy="5069160"/>
+          </a:xfrm>
+        </p:spPr>
+        <p:txBody>
+          <a:bodyPr>
+            <a:normAutofit fontScale="55000" lnSpcReduction="20000"/>
+          </a:bodyPr>
+          <a:lstStyle/>
+          <a:p>
+            <a:r>
+              <a:rPr lang="en-US" altLang="zh-CN" dirty="0" smtClean="0"/>
+              <a:t>Fluent Interface</a:t>
+            </a:r>
+          </a:p>
+          <a:p>
+            <a:pPr lvl="1"/>
+            <a:r>
+              <a:rPr lang="zh-CN" altLang="en-US" dirty="0" smtClean="0"/>
+              <a:t>语句流畅易读</a:t>
+            </a:r>
+            <a:endParaRPr lang="en-US" altLang="zh-CN" dirty="0" smtClean="0"/>
+          </a:p>
+          <a:p>
+            <a:r>
+              <a:rPr lang="zh-CN" altLang="en-US" dirty="0" smtClean="0"/>
+              <a:t>一致性</a:t>
+            </a:r>
+            <a:endParaRPr lang="en-US" altLang="zh-CN" dirty="0" smtClean="0"/>
+          </a:p>
+          <a:p>
+            <a:pPr lvl="1"/>
+            <a:r>
+              <a:rPr lang="en-US" altLang="zh-CN" dirty="0"/>
+              <a:t> </a:t>
+            </a:r>
+            <a:r>
+              <a:rPr lang="en-US" altLang="zh-CN" i="1" dirty="0" err="1"/>
+              <a:t>str_repeat</a:t>
+            </a:r>
+            <a:r>
+              <a:rPr lang="en-US" altLang="zh-CN" i="1" dirty="0"/>
+              <a:t>()</a:t>
+            </a:r>
+            <a:r>
+              <a:rPr lang="en-US" altLang="zh-CN" dirty="0"/>
+              <a:t> </a:t>
+            </a:r>
+            <a:r>
+              <a:rPr lang="zh-CN" altLang="en-US" dirty="0"/>
+              <a:t>、 </a:t>
+            </a:r>
+            <a:r>
+              <a:rPr lang="en-US" altLang="zh-CN" i="1" dirty="0" err="1"/>
+              <a:t>str_pos</a:t>
+            </a:r>
+            <a:r>
+              <a:rPr lang="en-US" altLang="zh-CN" i="1" dirty="0"/>
+              <a:t>()</a:t>
+            </a:r>
+            <a:r>
+              <a:rPr lang="en-US" altLang="zh-CN" dirty="0"/>
+              <a:t> </a:t>
+            </a:r>
+            <a:r>
+              <a:rPr lang="zh-CN" altLang="en-US" dirty="0"/>
+              <a:t>、 </a:t>
+            </a:r>
+            <a:r>
+              <a:rPr lang="en-US" altLang="zh-CN" i="1" dirty="0" err="1"/>
+              <a:t>substr</a:t>
+            </a:r>
+            <a:r>
+              <a:rPr lang="en-US" altLang="zh-CN" i="1" dirty="0"/>
+              <a:t>()</a:t>
+            </a:r>
+            <a:r>
+              <a:rPr lang="en-US" altLang="zh-CN" dirty="0"/>
+              <a:t> </a:t>
+            </a:r>
+            <a:endParaRPr lang="en-US" altLang="zh-CN" dirty="0" smtClean="0"/>
+          </a:p>
+          <a:p>
+            <a:r>
+              <a:rPr lang="zh-CN" altLang="en-US" dirty="0"/>
+              <a:t>参数</a:t>
+            </a:r>
+            <a:r>
+              <a:rPr lang="zh-CN" altLang="en-US" dirty="0" smtClean="0"/>
+              <a:t>处理</a:t>
+            </a:r>
+            <a:endParaRPr lang="en-US" altLang="zh-CN" dirty="0" smtClean="0"/>
+          </a:p>
+          <a:p>
+            <a:pPr lvl="1"/>
+            <a:r>
+              <a:rPr lang="zh-CN" altLang="en-US" dirty="0"/>
+              <a:t>批量</a:t>
+            </a:r>
+            <a:r>
+              <a:rPr lang="zh-CN" altLang="en-US" dirty="0" smtClean="0"/>
+              <a:t>设置</a:t>
+            </a:r>
+            <a:endParaRPr lang="en-US" altLang="zh-CN" dirty="0" smtClean="0"/>
+          </a:p>
+          <a:p>
+            <a:pPr lvl="1"/>
+            <a:r>
+              <a:rPr lang="zh-CN" altLang="en-US" dirty="0"/>
+              <a:t>类型转换</a:t>
+            </a:r>
+            <a:endParaRPr lang="en-US" altLang="zh-CN" dirty="0" smtClean="0"/>
+          </a:p>
+          <a:p>
+            <a:pPr lvl="1"/>
+            <a:r>
+              <a:rPr lang="zh-CN" altLang="en-US" dirty="0"/>
+              <a:t>默认值</a:t>
+            </a:r>
+            <a:endParaRPr lang="en-US" altLang="zh-CN" dirty="0" smtClean="0"/>
+          </a:p>
+          <a:p>
+            <a:r>
+              <a:rPr lang="zh-CN" altLang="en-US" dirty="0" smtClean="0"/>
+              <a:t>可扩展性</a:t>
+            </a:r>
+            <a:endParaRPr lang="en-US" altLang="zh-CN" dirty="0" smtClean="0"/>
+          </a:p>
+          <a:p>
+            <a:pPr lvl="1"/>
+            <a:r>
+              <a:rPr lang="zh-CN" altLang="en-US" dirty="0"/>
+              <a:t>回调函</a:t>
+            </a:r>
+            <a:r>
+              <a:rPr lang="zh-CN" altLang="en-US" dirty="0" smtClean="0"/>
+              <a:t>数</a:t>
+            </a:r>
+            <a:endParaRPr lang="en-US" altLang="zh-CN" dirty="0" smtClean="0"/>
+          </a:p>
+          <a:p>
+            <a:pPr lvl="1"/>
+            <a:r>
+              <a:rPr lang="zh-CN" altLang="en-US" dirty="0"/>
+              <a:t>事件</a:t>
+            </a:r>
+            <a:endParaRPr lang="en-US" altLang="zh-CN" dirty="0" smtClean="0"/>
+          </a:p>
+          <a:p>
+            <a:r>
+              <a:rPr lang="zh-CN" altLang="en-US" dirty="0" smtClean="0"/>
+              <a:t>引用</a:t>
+            </a:r>
+            <a:endParaRPr lang="en-US" altLang="zh-CN" dirty="0" smtClean="0"/>
+          </a:p>
+          <a:p>
+            <a:r>
+              <a:rPr lang="zh-CN" altLang="en-US" dirty="0"/>
+              <a:t>处理</a:t>
+            </a:r>
+            <a:r>
+              <a:rPr lang="zh-CN" altLang="en-US" dirty="0" smtClean="0"/>
+              <a:t>错误</a:t>
+            </a:r>
+            <a:endParaRPr lang="en-US" altLang="zh-CN" dirty="0" smtClean="0"/>
+          </a:p>
+          <a:p>
+            <a:pPr lvl="1"/>
+            <a:r>
+              <a:rPr lang="zh-CN" altLang="en-US" dirty="0"/>
+              <a:t>健壮性是指不接受垃圾 </a:t>
+            </a:r>
+            <a:r>
+              <a:rPr lang="zh-CN" altLang="en-US" i="1" dirty="0"/>
+              <a:t>并且告之开发者</a:t>
+            </a:r>
+            <a:r>
+              <a:rPr lang="zh-CN" altLang="en-US" dirty="0"/>
+              <a:t> </a:t>
+            </a:r>
+            <a:endParaRPr lang="en-US" altLang="zh-CN" dirty="0" smtClean="0"/>
+          </a:p>
+          <a:p>
+            <a:r>
+              <a:rPr lang="zh-CN" altLang="en-US" dirty="0"/>
+              <a:t>文档化</a:t>
+            </a:r>
+            <a:r>
+              <a:rPr lang="en-US" altLang="zh-CN" dirty="0" smtClean="0"/>
+              <a:t>API</a:t>
+            </a:r>
+            <a:br>
+              <a:rPr lang="en-US" altLang="zh-CN" dirty="0" smtClean="0"/>
+            </a:br>
+            <a:endParaRPr lang="en-US" altLang="zh-CN" dirty="0" smtClean="0"/>
+          </a:p>
+          <a:p>
+            <a:pPr>
+              <a:buNone/>
+            </a:pPr>
+            <a:r>
+              <a:rPr lang="en-US" altLang="zh-CN" dirty="0" smtClean="0">
+                <a:hlinkClick r:id="rId2"/>
+              </a:rPr>
+              <a:t>Designing Better JavaScript APIs</a:t>
+            </a:r>
+            <a:endParaRPr lang="en-US" altLang="zh-CN" dirty="0" smtClean="0"/>
+          </a:p>
+          <a:p>
+            <a:pPr>
+              <a:buNone/>
+            </a:pPr>
+            <a:r>
+              <a:rPr lang="en-US" altLang="zh-CN" dirty="0" smtClean="0">
+                <a:hlinkClick r:id="rId3"/>
+              </a:rPr>
+              <a:t>[</a:t>
+            </a:r>
+            <a:r>
+              <a:rPr lang="zh-CN" altLang="en-US" dirty="0" smtClean="0">
+                <a:hlinkClick r:id="rId3"/>
+              </a:rPr>
+              <a:t>译</a:t>
+            </a:r>
+            <a:r>
+              <a:rPr lang="en-US" altLang="zh-CN" dirty="0" smtClean="0">
+                <a:hlinkClick r:id="rId3"/>
+              </a:rPr>
+              <a:t>]</a:t>
+            </a:r>
+            <a:r>
+              <a:rPr lang="zh-CN" altLang="en-US" dirty="0" smtClean="0">
+                <a:hlinkClick r:id="rId3"/>
+              </a:rPr>
+              <a:t>设计更好的</a:t>
+            </a:r>
+            <a:r>
+              <a:rPr lang="en-US" altLang="zh-CN" dirty="0" smtClean="0">
+                <a:hlinkClick r:id="rId3"/>
+              </a:rPr>
+              <a:t>JavaScript API</a:t>
+            </a:r>
+            <a:endParaRPr lang="zh-CN" altLang="en-US" dirty="0"/>
+          </a:p>
+        </p:txBody>
+      </p:sp>
+    </p:spTree>
+    <p:extLst>
+      <p:ext uri="{BB962C8B-B14F-4D97-AF65-F5344CB8AC3E}">
+        <p14:creationId xmlns="" xmlns:p14="http://schemas.microsoft.com/office/powerpoint/2010/main" val="1095963931"/>
+      </p:ext>
+    </p:extLst>
+  </p:cSld>
+  <p:clrMapOvr>
+    <a:masterClrMapping/>
+  </p:clrMapOvr>
+  <p:timing>
+    <p:tnLst>
+      <p:par>
+        <p:cTn id="1" dur="indefinite" restart="never" nodeType="tmRoot"/>
+      </p:par>
+    </p:tnLst>
+  </p:timing>
+</p:sld>
+</file>
+
 <file path=ppt/slides/slide26.xml><?xml version="1.0" encoding="utf-8"?>
 <p:sld xmlns:a="http://schemas.openxmlformats.org/drawingml/2006/main" xmlns:r="http://schemas.openxmlformats.org/officeDocument/2006/relationships" xmlns:p="http://schemas.openxmlformats.org/presentationml/2006/main">
   <p:cSld>
@@ -11602,12 +11805,10 @@
           <a:p>
             <a:pPr algn="l"/>
             <a:r>
-              <a:rPr lang="en-US" altLang="zh-CN" sz="3600" dirty="0" smtClean="0"/>
-              <a:t>API</a:t>
-            </a:r>
-            <a:r>
-              <a:rPr lang="zh-CN" altLang="en-US" sz="3600" dirty="0" smtClean="0"/>
-              <a:t>设计</a:t>
+              <a:rPr lang="zh-CN" altLang="en-US" sz="3600" dirty="0" smtClean="0">
+                <a:hlinkClick r:id="rId2"/>
+              </a:rPr>
+              <a:t>标签云</a:t>
             </a:r>
             <a:endParaRPr lang="zh-CN" altLang="en-US" sz="3600" dirty="0"/>
           </a:p>
@@ -11623,8 +11824,8 @@
         </p:nvSpPr>
         <p:spPr>
           <a:xfrm>
-            <a:off x="5796136" y="0"/>
-            <a:ext cx="3347864" cy="1143000"/>
+            <a:off x="6156176" y="0"/>
+            <a:ext cx="2987824" cy="1143000"/>
           </a:xfrm>
           <a:prstGeom prst="rect">
             <a:avLst/>
@@ -11632,7 +11833,7 @@
         </p:spPr>
         <p:txBody>
           <a:bodyPr vert="horz" lIns="91440" tIns="45720" rIns="91440" bIns="45720" rtlCol="0" anchor="ctr">
-            <a:normAutofit fontScale="92500"/>
+            <a:normAutofit/>
           </a:bodyPr>
           <a:lstStyle/>
           <a:p>
@@ -11670,7 +11871,7 @@
                 <a:ea typeface="微软雅黑" pitchFamily="34" charset="-122"/>
                 <a:cs typeface="+mj-cs"/>
               </a:rPr>
-              <a:t>组件开发基础</a:t>
+              <a:t>动手写组件</a:t>
             </a:r>
             <a:endParaRPr kumimoji="0" lang="zh-CN" altLang="en-US" sz="4400" b="0" i="0" u="none" strike="noStrike" kern="1200" cap="none" spc="0" normalizeH="0" baseline="0" noProof="0" dirty="0">
               <a:ln>
@@ -11704,246 +11905,60 @@
         <p:spPr>
           <a:xfrm>
             <a:off x="457200" y="1600200"/>
-            <a:ext cx="8075240" cy="5069160"/>
+            <a:ext cx="8075240" cy="4525963"/>
           </a:xfrm>
         </p:spPr>
         <p:txBody>
           <a:bodyPr>
-            <a:normAutofit fontScale="55000" lnSpcReduction="20000"/>
+            <a:normAutofit/>
           </a:bodyPr>
           <a:lstStyle/>
           <a:p>
             <a:r>
               <a:rPr lang="en-US" altLang="zh-CN" dirty="0" smtClean="0"/>
-              <a:t>Fluent Interface</a:t>
+              <a:t>API</a:t>
             </a:r>
           </a:p>
           <a:p>
             <a:pPr lvl="1"/>
             <a:r>
+              <a:rPr lang="zh-CN" altLang="en-US" dirty="0"/>
+              <a:t>构造</a:t>
+            </a:r>
+            <a:r>
               <a:rPr lang="zh-CN" altLang="en-US" dirty="0" smtClean="0"/>
-              <a:t>语句流畅易读</a:t>
+              <a:t>器</a:t>
             </a:r>
             <a:endParaRPr lang="en-US" altLang="zh-CN" dirty="0" smtClean="0"/>
           </a:p>
           <a:p>
+            <a:pPr lvl="1"/>
             <a:r>
               <a:rPr lang="zh-CN" altLang="en-US" dirty="0" smtClean="0"/>
-              <a:t>一致性</a:t>
+              <a:t>配置</a:t>
             </a:r>
             <a:endParaRPr lang="en-US" altLang="zh-CN" dirty="0" smtClean="0"/>
           </a:p>
           <a:p>
-            <a:pPr lvl="1"/>
-            <a:r>
-              <a:rPr lang="en-US" altLang="zh-CN" dirty="0"/>
-              <a:t> </a:t>
-            </a:r>
-            <a:r>
-              <a:rPr lang="en-US" altLang="zh-CN" i="1" dirty="0" err="1"/>
-              <a:t>str_repeat</a:t>
-            </a:r>
-            <a:r>
-              <a:rPr lang="en-US" altLang="zh-CN" i="1" dirty="0"/>
-              <a:t>()</a:t>
-            </a:r>
-            <a:r>
-              <a:rPr lang="en-US" altLang="zh-CN" dirty="0"/>
-              <a:t> </a:t>
-            </a:r>
-            <a:r>
-              <a:rPr lang="zh-CN" altLang="en-US" dirty="0"/>
-              <a:t>、 </a:t>
-            </a:r>
-            <a:r>
-              <a:rPr lang="en-US" altLang="zh-CN" i="1" dirty="0" err="1"/>
-              <a:t>str_pos</a:t>
-            </a:r>
-            <a:r>
-              <a:rPr lang="en-US" altLang="zh-CN" i="1" dirty="0"/>
-              <a:t>()</a:t>
-            </a:r>
-            <a:r>
-              <a:rPr lang="en-US" altLang="zh-CN" dirty="0"/>
-              <a:t> </a:t>
-            </a:r>
-            <a:r>
-              <a:rPr lang="zh-CN" altLang="en-US" dirty="0"/>
-              <a:t>、 </a:t>
-            </a:r>
-            <a:r>
-              <a:rPr lang="en-US" altLang="zh-CN" i="1" dirty="0" err="1"/>
-              <a:t>substr</a:t>
-            </a:r>
-            <a:r>
-              <a:rPr lang="en-US" altLang="zh-CN" i="1" dirty="0"/>
-              <a:t>()</a:t>
-            </a:r>
-            <a:r>
-              <a:rPr lang="en-US" altLang="zh-CN" dirty="0"/>
-              <a:t> </a:t>
+            <a:r>
+              <a:rPr lang="zh-CN" altLang="en-US" dirty="0" smtClean="0"/>
+              <a:t>设计</a:t>
             </a:r>
             <a:endParaRPr lang="en-US" altLang="zh-CN" dirty="0" smtClean="0"/>
           </a:p>
           <a:p>
             <a:r>
-              <a:rPr lang="zh-CN" altLang="en-US" dirty="0"/>
-              <a:t>参数</a:t>
-            </a:r>
-            <a:r>
               <a:rPr lang="zh-CN" altLang="en-US" dirty="0" smtClean="0"/>
-              <a:t>处理</a:t>
+              <a:t>编码</a:t>
             </a:r>
             <a:endParaRPr lang="en-US" altLang="zh-CN" dirty="0" smtClean="0"/>
           </a:p>
           <a:p>
-            <a:pPr lvl="1"/>
-            <a:r>
-              <a:rPr lang="zh-CN" altLang="en-US" dirty="0"/>
-              <a:t>批量</a:t>
-            </a:r>
-            <a:r>
-              <a:rPr lang="zh-CN" altLang="en-US" dirty="0" smtClean="0"/>
-              <a:t>设置</a:t>
-            </a:r>
-            <a:endParaRPr lang="en-US" altLang="zh-CN" dirty="0" smtClean="0"/>
-          </a:p>
-          <a:p>
-            <a:pPr lvl="1"/>
-            <a:r>
-              <a:rPr lang="zh-CN" altLang="en-US" dirty="0"/>
-              <a:t>类型转换</a:t>
-            </a:r>
-            <a:endParaRPr lang="en-US" altLang="zh-CN" dirty="0" smtClean="0"/>
-          </a:p>
-          <a:p>
-            <a:pPr lvl="1"/>
-            <a:r>
-              <a:rPr lang="zh-CN" altLang="en-US" dirty="0"/>
-              <a:t>默认值</a:t>
-            </a:r>
-            <a:endParaRPr lang="en-US" altLang="zh-CN" dirty="0" smtClean="0"/>
-          </a:p>
-          <a:p>
-            <a:r>
-              <a:rPr lang="zh-CN" altLang="en-US" dirty="0" smtClean="0"/>
-              <a:t>可扩展性</a:t>
-            </a:r>
-            <a:endParaRPr lang="en-US" altLang="zh-CN" dirty="0" smtClean="0"/>
-          </a:p>
-          <a:p>
-            <a:pPr lvl="1"/>
-            <a:r>
-              <a:rPr lang="zh-CN" altLang="en-US" dirty="0"/>
-              <a:t>回调函</a:t>
-            </a:r>
-            <a:r>
-              <a:rPr lang="zh-CN" altLang="en-US" dirty="0" smtClean="0"/>
-              <a:t>数</a:t>
-            </a:r>
-            <a:endParaRPr lang="en-US" altLang="zh-CN" dirty="0" smtClean="0"/>
-          </a:p>
-          <a:p>
-            <a:pPr lvl="1"/>
-            <a:r>
-              <a:rPr lang="zh-CN" altLang="en-US" dirty="0"/>
-              <a:t>事件</a:t>
-            </a:r>
-            <a:endParaRPr lang="en-US" altLang="zh-CN" dirty="0" smtClean="0"/>
-          </a:p>
-          <a:p>
-            <a:r>
-              <a:rPr lang="zh-CN" altLang="en-US" dirty="0" smtClean="0"/>
-              <a:t>引用</a:t>
-            </a:r>
-            <a:endParaRPr lang="en-US" altLang="zh-CN" dirty="0" smtClean="0"/>
-          </a:p>
-          <a:p>
-            <a:r>
-              <a:rPr lang="zh-CN" altLang="en-US" dirty="0"/>
-              <a:t>处理</a:t>
-            </a:r>
-            <a:r>
-              <a:rPr lang="zh-CN" altLang="en-US" dirty="0" smtClean="0"/>
-              <a:t>错误</a:t>
-            </a:r>
-            <a:endParaRPr lang="en-US" altLang="zh-CN" dirty="0" smtClean="0"/>
-          </a:p>
-          <a:p>
-            <a:pPr lvl="1"/>
-            <a:r>
-              <a:rPr lang="zh-CN" altLang="en-US" dirty="0"/>
-              <a:t>健壮性是指不接受垃圾 </a:t>
-            </a:r>
-            <a:r>
-              <a:rPr lang="zh-CN" altLang="en-US" i="1" dirty="0"/>
-              <a:t>并且告之开发者</a:t>
-            </a:r>
-            <a:r>
-              <a:rPr lang="zh-CN" altLang="en-US" dirty="0"/>
-              <a:t> </a:t>
-            </a:r>
-            <a:endParaRPr lang="en-US" altLang="zh-CN" dirty="0" smtClean="0"/>
-          </a:p>
-          <a:p>
-            <a:r>
-              <a:rPr lang="zh-CN" altLang="en-US" dirty="0"/>
-              <a:t>文档化</a:t>
-            </a:r>
-            <a:r>
-              <a:rPr lang="en-US" altLang="zh-CN" dirty="0" smtClean="0"/>
-              <a:t>API</a:t>
-            </a:r>
-            <a:br>
-              <a:rPr lang="en-US" altLang="zh-CN" dirty="0" smtClean="0"/>
-            </a:br>
-            <a:endParaRPr lang="en-US" altLang="zh-CN" dirty="0" smtClean="0"/>
-          </a:p>
-          <a:p>
-            <a:pPr>
-              <a:buNone/>
-            </a:pPr>
             <a:r>
               <a:rPr lang="en-US" altLang="zh-CN" dirty="0" smtClean="0">
-                <a:hlinkClick r:id="rId2"/>
+                <a:hlinkClick r:id="rId3" action="ppaction://hlinkfile"/>
               </a:rPr>
-              <a:t>Designing Better JavaScript APIs</a:t>
-            </a:r>
-            <a:endParaRPr lang="en-US" altLang="zh-CN" dirty="0" smtClean="0"/>
-          </a:p>
-          <a:p>
-            <a:pPr>
-              <a:buNone/>
-            </a:pPr>
-            <a:r>
-              <a:rPr lang="en-US" altLang="zh-CN" dirty="0" smtClean="0">
-                <a:hlinkClick r:id="rId3"/>
-              </a:rPr>
-              <a:t>[</a:t>
-            </a:r>
-            <a:r>
-              <a:rPr lang="zh-CN" altLang="en-US" dirty="0" smtClean="0">
-                <a:hlinkClick r:id="rId3"/>
-              </a:rPr>
-              <a:t>译</a:t>
-            </a:r>
-            <a:r>
-              <a:rPr lang="en-US" altLang="zh-CN" dirty="0" smtClean="0">
-                <a:hlinkClick r:id="rId3"/>
-              </a:rPr>
-              <a:t>]</a:t>
-            </a:r>
-            <a:r>
-              <a:rPr lang="zh-CN" altLang="en-US" dirty="0" smtClean="0">
-                <a:hlinkClick r:id="rId3"/>
-              </a:rPr>
-              <a:t>设计更好的</a:t>
-            </a:r>
-            <a:r>
-              <a:rPr lang="en-US" altLang="zh-CN" dirty="0" smtClean="0">
-                <a:hlinkClick r:id="rId3"/>
-              </a:rPr>
-              <a:t>JavaScript API</a:t>
+              <a:t>Demo</a:t>
             </a:r>
             <a:endParaRPr lang="zh-CN" altLang="en-US" dirty="0"/>
           </a:p>
@@ -11952,7 +11967,7 @@
     </p:spTree>
     <p:extLst>
       <p:ext uri="{BB962C8B-B14F-4D97-AF65-F5344CB8AC3E}">
-        <p14:creationId xmlns="" xmlns:p14="http://schemas.microsoft.com/office/powerpoint/2010/main" val="1095963931"/>
+        <p14:creationId xmlns="" xmlns:p14="http://schemas.microsoft.com/office/powerpoint/2010/main" val="419811842"/>
       </p:ext>
     </p:extLst>
   </p:cSld>
@@ -11988,221 +12003,6 @@
       </p:grpSpPr>
       <p:sp>
         <p:nvSpPr>
-          <p:cNvPr id="2" name="标题 1"/>
-          <p:cNvSpPr>
-            <a:spLocks noGrp="1"/>
-          </p:cNvSpPr>
-          <p:nvPr>
-            <p:ph type="title"/>
-          </p:nvPr>
-        </p:nvSpPr>
-        <p:spPr/>
-        <p:txBody>
-          <a:bodyPr>
-            <a:normAutofit/>
-          </a:bodyPr>
-          <a:lstStyle/>
-          <a:p>
-            <a:pPr algn="l"/>
-            <a:r>
-              <a:rPr lang="zh-CN" altLang="en-US" sz="3600" dirty="0" smtClean="0">
-                <a:hlinkClick r:id="rId2"/>
-              </a:rPr>
-              <a:t>标签云</a:t>
-            </a:r>
-            <a:endParaRPr lang="zh-CN" altLang="en-US" sz="3600" dirty="0"/>
-          </a:p>
-        </p:txBody>
-      </p:sp>
-      <p:sp>
-        <p:nvSpPr>
-          <p:cNvPr id="4" name="标题 1"/>
-          <p:cNvSpPr txBox="1">
-            <a:spLocks/>
-          </p:cNvSpPr>
-          <p:nvPr/>
-        </p:nvSpPr>
-        <p:spPr>
-          <a:xfrm>
-            <a:off x="6156176" y="0"/>
-            <a:ext cx="2987824" cy="1143000"/>
-          </a:xfrm>
-          <a:prstGeom prst="rect">
-            <a:avLst/>
-          </a:prstGeom>
-        </p:spPr>
-        <p:txBody>
-          <a:bodyPr vert="horz" lIns="91440" tIns="45720" rIns="91440" bIns="45720" rtlCol="0" anchor="ctr">
-            <a:normAutofit/>
-          </a:bodyPr>
-          <a:lstStyle/>
-          <a:p>
-            <a:pPr marL="0" marR="0" lvl="0" indent="0" algn="l" defTabSz="914400" rtl="0" eaLnBrk="1" fontAlgn="auto" latinLnBrk="0" hangingPunct="1">
-              <a:lnSpc>
-                <a:spcPct val="100000"/>
-              </a:lnSpc>
-              <a:spcBef>
-                <a:spcPct val="0"/>
-              </a:spcBef>
-              <a:spcAft>
-                <a:spcPts val="0"/>
-              </a:spcAft>
-              <a:buClrTx/>
-              <a:buSzTx/>
-              <a:buFontTx/>
-              <a:buNone/>
-              <a:tabLst/>
-              <a:defRPr/>
-            </a:pPr>
-            <a:r>
-              <a:rPr kumimoji="0" lang="zh-CN" altLang="en-US" sz="4400" b="0" i="0" u="none" strike="noStrike" kern="1200" cap="none" spc="0" normalizeH="0" baseline="0" noProof="0" dirty="0" smtClean="0">
-                <a:ln>
-                  <a:noFill/>
-                </a:ln>
-                <a:solidFill>
-                  <a:schemeClr val="tx1">
-                    <a:lumMod val="75000"/>
-                  </a:schemeClr>
-                </a:solidFill>
-                <a:effectLst/>
-                <a:uLnTx/>
-                <a:uFillTx/>
-                <a:latin typeface="微软雅黑" pitchFamily="34" charset="-122"/>
-                <a:ea typeface="微软雅黑" pitchFamily="34" charset="-122"/>
-                <a:cs typeface="+mj-cs"/>
-              </a:rPr>
-              <a:t>动手写组件</a:t>
-            </a:r>
-            <a:endParaRPr kumimoji="0" lang="zh-CN" altLang="en-US" sz="4400" b="0" i="0" u="none" strike="noStrike" kern="1200" cap="none" spc="0" normalizeH="0" baseline="0" noProof="0" dirty="0">
-              <a:ln>
-                <a:noFill/>
-              </a:ln>
-              <a:solidFill>
-                <a:schemeClr val="tx1">
-                  <a:lumMod val="75000"/>
-                </a:schemeClr>
-              </a:solidFill>
-              <a:effectLst/>
-              <a:uLnTx/>
-              <a:uFillTx/>
-              <a:latin typeface="微软雅黑" pitchFamily="34" charset="-122"/>
-              <a:ea typeface="微软雅黑" pitchFamily="34" charset="-122"/>
-              <a:cs typeface="+mj-cs"/>
-            </a:endParaRPr>
-          </a:p>
-        </p:txBody>
-      </p:sp>
-      <p:sp>
-        <p:nvSpPr>
-          <p:cNvPr id="5" name="内容占位符 4"/>
-          <p:cNvSpPr>
-            <a:spLocks noGrp="1"/>
-          </p:cNvSpPr>
-          <p:nvPr>
-            <p:ph idx="1"/>
-          </p:nvPr>
-        </p:nvSpPr>
-        <p:spPr>
-          <a:xfrm>
-            <a:off x="457200" y="1600200"/>
-            <a:ext cx="8075240" cy="4525963"/>
-          </a:xfrm>
-        </p:spPr>
-        <p:txBody>
-          <a:bodyPr>
-            <a:normAutofit/>
-          </a:bodyPr>
-          <a:lstStyle/>
-          <a:p>
-            <a:r>
-              <a:rPr lang="en-US" altLang="zh-CN" dirty="0" smtClean="0"/>
-              <a:t>API</a:t>
-            </a:r>
-          </a:p>
-          <a:p>
-            <a:pPr lvl="1"/>
-            <a:r>
-              <a:rPr lang="zh-CN" altLang="en-US" dirty="0"/>
-              <a:t>构造</a:t>
-            </a:r>
-            <a:r>
-              <a:rPr lang="zh-CN" altLang="en-US" dirty="0" smtClean="0"/>
-              <a:t>器</a:t>
-            </a:r>
-            <a:endParaRPr lang="en-US" altLang="zh-CN" dirty="0" smtClean="0"/>
-          </a:p>
-          <a:p>
-            <a:pPr lvl="1"/>
-            <a:r>
-              <a:rPr lang="zh-CN" altLang="en-US" dirty="0" smtClean="0"/>
-              <a:t>配置</a:t>
-            </a:r>
-            <a:endParaRPr lang="en-US" altLang="zh-CN" dirty="0" smtClean="0"/>
-          </a:p>
-          <a:p>
-            <a:r>
-              <a:rPr lang="zh-CN" altLang="en-US" dirty="0" smtClean="0"/>
-              <a:t>设计</a:t>
-            </a:r>
-            <a:endParaRPr lang="en-US" altLang="zh-CN" dirty="0" smtClean="0"/>
-          </a:p>
-          <a:p>
-            <a:r>
-              <a:rPr lang="zh-CN" altLang="en-US" dirty="0" smtClean="0"/>
-              <a:t>编码</a:t>
-            </a:r>
-            <a:endParaRPr lang="en-US" altLang="zh-CN" dirty="0" smtClean="0"/>
-          </a:p>
-          <a:p>
-            <a:r>
-              <a:rPr lang="en-US" altLang="zh-CN" dirty="0" smtClean="0">
-                <a:hlinkClick r:id="rId3" action="ppaction://hlinkfile"/>
-              </a:rPr>
-              <a:t>Demo</a:t>
-            </a:r>
-            <a:endParaRPr lang="zh-CN" altLang="en-US" dirty="0"/>
-          </a:p>
-        </p:txBody>
-      </p:sp>
-    </p:spTree>
-    <p:extLst>
-      <p:ext uri="{BB962C8B-B14F-4D97-AF65-F5344CB8AC3E}">
-        <p14:creationId xmlns="" xmlns:p14="http://schemas.microsoft.com/office/powerpoint/2010/main" val="419811842"/>
-      </p:ext>
-    </p:extLst>
-  </p:cSld>
-  <p:clrMapOvr>
-    <a:masterClrMapping/>
-  </p:clrMapOvr>
-  <p:timing>
-    <p:tnLst>
-      <p:par>
-        <p:cTn id="1" dur="indefinite" restart="never" nodeType="tmRoot"/>
-      </p:par>
-    </p:tnLst>
-  </p:timing>
-</p:sld>
-</file>
-
-<file path=ppt/slides/slide28.xml><?xml version="1.0" encoding="utf-8"?>
-<p:sld xmlns:a="http://schemas.openxmlformats.org/drawingml/2006/main" xmlns:r="http://schemas.openxmlformats.org/officeDocument/2006/relationships" xmlns:p="http://schemas.openxmlformats.org/presentationml/2006/main">
-  <p:cSld>
-    <p:spTree>
-      <p:nvGrpSpPr>
-        <p:cNvPr id="1" name=""/>
-        <p:cNvGrpSpPr/>
-        <p:nvPr/>
-      </p:nvGrpSpPr>
-      <p:grpSpPr>
-        <a:xfrm>
-          <a:off x="0" y="0"/>
-          <a:ext cx="0" cy="0"/>
-          <a:chOff x="0" y="0"/>
-          <a:chExt cx="0" cy="0"/>
-        </a:xfrm>
-      </p:grpSpPr>
-      <p:sp>
-        <p:nvSpPr>
           <p:cNvPr id="4" name="标题 1"/>
           <p:cNvSpPr txBox="1">
             <a:spLocks/>
@@ -12409,7 +12209,7 @@
 </p:sld>
 </file>
 
-<file path=ppt/slides/slide29.xml><?xml version="1.0" encoding="utf-8"?>
+<file path=ppt/slides/slide28.xml><?xml version="1.0" encoding="utf-8"?>
 <p:sld xmlns:a="http://schemas.openxmlformats.org/drawingml/2006/main" xmlns:r="http://schemas.openxmlformats.org/officeDocument/2006/relationships" xmlns:p="http://schemas.openxmlformats.org/presentationml/2006/main">
   <p:cSld>
     <p:spTree>
